--- a/UserStoriesV2.pptx
+++ b/UserStoriesV2.pptx
@@ -7,15 +7,16 @@
   <p:sldIdLst>
     <p:sldId id="256" r:id="rId2"/>
     <p:sldId id="262" r:id="rId3"/>
-    <p:sldId id="263" r:id="rId4"/>
-    <p:sldId id="258" r:id="rId5"/>
-    <p:sldId id="257" r:id="rId6"/>
+    <p:sldId id="265" r:id="rId4"/>
+    <p:sldId id="257" r:id="rId5"/>
+    <p:sldId id="259" r:id="rId6"/>
     <p:sldId id="260" r:id="rId7"/>
-    <p:sldId id="267" r:id="rId8"/>
-    <p:sldId id="259" r:id="rId9"/>
-    <p:sldId id="266" r:id="rId10"/>
-    <p:sldId id="264" r:id="rId11"/>
-    <p:sldId id="265" r:id="rId12"/>
+    <p:sldId id="264" r:id="rId8"/>
+    <p:sldId id="266" r:id="rId9"/>
+    <p:sldId id="258" r:id="rId10"/>
+    <p:sldId id="267" r:id="rId11"/>
+    <p:sldId id="263" r:id="rId12"/>
+    <p:sldId id="268" r:id="rId13"/>
   </p:sldIdLst>
   <p:sldSz cx="12192000" cy="6858000"/>
   <p:notesSz cx="6858000" cy="9144000"/>
@@ -253,7 +254,7 @@
           <a:p>
             <a:fld id="{5DDB60B5-0831-44F0-B0BC-66D2EFC82116}" type="datetimeFigureOut">
               <a:rPr lang="en-US" smtClean="0"/>
-              <a:t>2/8/2016</a:t>
+              <a:t>2/16/2016</a:t>
             </a:fld>
             <a:endParaRPr lang="en-US"/>
           </a:p>
@@ -423,7 +424,7 @@
           <a:p>
             <a:fld id="{5DDB60B5-0831-44F0-B0BC-66D2EFC82116}" type="datetimeFigureOut">
               <a:rPr lang="en-US" smtClean="0"/>
-              <a:t>2/8/2016</a:t>
+              <a:t>2/16/2016</a:t>
             </a:fld>
             <a:endParaRPr lang="en-US"/>
           </a:p>
@@ -603,7 +604,7 @@
           <a:p>
             <a:fld id="{5DDB60B5-0831-44F0-B0BC-66D2EFC82116}" type="datetimeFigureOut">
               <a:rPr lang="en-US" smtClean="0"/>
-              <a:t>2/8/2016</a:t>
+              <a:t>2/16/2016</a:t>
             </a:fld>
             <a:endParaRPr lang="en-US"/>
           </a:p>
@@ -773,7 +774,7 @@
           <a:p>
             <a:fld id="{5DDB60B5-0831-44F0-B0BC-66D2EFC82116}" type="datetimeFigureOut">
               <a:rPr lang="en-US" smtClean="0"/>
-              <a:t>2/8/2016</a:t>
+              <a:t>2/16/2016</a:t>
             </a:fld>
             <a:endParaRPr lang="en-US"/>
           </a:p>
@@ -1019,7 +1020,7 @@
           <a:p>
             <a:fld id="{5DDB60B5-0831-44F0-B0BC-66D2EFC82116}" type="datetimeFigureOut">
               <a:rPr lang="en-US" smtClean="0"/>
-              <a:t>2/8/2016</a:t>
+              <a:t>2/16/2016</a:t>
             </a:fld>
             <a:endParaRPr lang="en-US"/>
           </a:p>
@@ -1251,7 +1252,7 @@
           <a:p>
             <a:fld id="{5DDB60B5-0831-44F0-B0BC-66D2EFC82116}" type="datetimeFigureOut">
               <a:rPr lang="en-US" smtClean="0"/>
-              <a:t>2/8/2016</a:t>
+              <a:t>2/16/2016</a:t>
             </a:fld>
             <a:endParaRPr lang="en-US"/>
           </a:p>
@@ -1618,7 +1619,7 @@
           <a:p>
             <a:fld id="{5DDB60B5-0831-44F0-B0BC-66D2EFC82116}" type="datetimeFigureOut">
               <a:rPr lang="en-US" smtClean="0"/>
-              <a:t>2/8/2016</a:t>
+              <a:t>2/16/2016</a:t>
             </a:fld>
             <a:endParaRPr lang="en-US"/>
           </a:p>
@@ -1736,7 +1737,7 @@
           <a:p>
             <a:fld id="{5DDB60B5-0831-44F0-B0BC-66D2EFC82116}" type="datetimeFigureOut">
               <a:rPr lang="en-US" smtClean="0"/>
-              <a:t>2/8/2016</a:t>
+              <a:t>2/16/2016</a:t>
             </a:fld>
             <a:endParaRPr lang="en-US"/>
           </a:p>
@@ -1831,7 +1832,7 @@
           <a:p>
             <a:fld id="{5DDB60B5-0831-44F0-B0BC-66D2EFC82116}" type="datetimeFigureOut">
               <a:rPr lang="en-US" smtClean="0"/>
-              <a:t>2/8/2016</a:t>
+              <a:t>2/16/2016</a:t>
             </a:fld>
             <a:endParaRPr lang="en-US"/>
           </a:p>
@@ -2108,7 +2109,7 @@
           <a:p>
             <a:fld id="{5DDB60B5-0831-44F0-B0BC-66D2EFC82116}" type="datetimeFigureOut">
               <a:rPr lang="en-US" smtClean="0"/>
-              <a:t>2/8/2016</a:t>
+              <a:t>2/16/2016</a:t>
             </a:fld>
             <a:endParaRPr lang="en-US"/>
           </a:p>
@@ -2361,7 +2362,7 @@
           <a:p>
             <a:fld id="{5DDB60B5-0831-44F0-B0BC-66D2EFC82116}" type="datetimeFigureOut">
               <a:rPr lang="en-US" smtClean="0"/>
-              <a:t>2/8/2016</a:t>
+              <a:t>2/16/2016</a:t>
             </a:fld>
             <a:endParaRPr lang="en-US"/>
           </a:p>
@@ -2574,7 +2575,7 @@
           <a:p>
             <a:fld id="{5DDB60B5-0831-44F0-B0BC-66D2EFC82116}" type="datetimeFigureOut">
               <a:rPr lang="en-US" smtClean="0"/>
-              <a:t>2/8/2016</a:t>
+              <a:t>2/16/2016</a:t>
             </a:fld>
             <a:endParaRPr lang="en-US"/>
           </a:p>
@@ -3090,7 +3091,7 @@
         <p:spPr/>
         <p:txBody>
           <a:bodyPr>
-            <a:normAutofit/>
+            <a:normAutofit lnSpcReduction="10000"/>
           </a:bodyPr>
           <a:lstStyle/>
           <a:p>
@@ -3099,7 +3100,7 @@
             </a:pPr>
             <a:r>
               <a:rPr lang="en-US" dirty="0"/>
-              <a:t>As a … user who is interested in a posted service for sale</a:t>
+              <a:t>As a … signed in user</a:t>
             </a:r>
           </a:p>
           <a:p>
@@ -3108,25 +3109,28 @@
             </a:pPr>
             <a:r>
               <a:rPr lang="en-US" dirty="0"/>
-              <a:t>I want … to be able to </a:t>
-            </a:r>
-            <a:r>
-              <a:rPr lang="en-US" dirty="0" smtClean="0"/>
-              <a:t>search a set of posts using a key word</a:t>
-            </a:r>
-            <a:endParaRPr lang="en-US" dirty="0"/>
-          </a:p>
-          <a:p>
-            <a:pPr marL="0" indent="0">
-              <a:buNone/>
-            </a:pPr>
+              <a:t>I want … to </a:t>
+            </a:r>
+            <a:r>
+              <a:rPr lang="en-US" dirty="0" smtClean="0"/>
+              <a:t>be able to navigate to my profile page from the menu</a:t>
+            </a:r>
+          </a:p>
+          <a:p>
+            <a:pPr marL="0" indent="0">
+              <a:buNone/>
+            </a:pPr>
+            <a:r>
+              <a:rPr lang="en-US" dirty="0" smtClean="0"/>
+              <a:t>So </a:t>
+            </a:r>
             <a:r>
               <a:rPr lang="en-US" dirty="0"/>
-              <a:t>So that … I can </a:t>
-            </a:r>
-            <a:r>
-              <a:rPr lang="en-US" dirty="0" smtClean="0"/>
-              <a:t>see the list of posts that are relevant to my search</a:t>
+              <a:t>that … I </a:t>
+            </a:r>
+            <a:r>
+              <a:rPr lang="en-US" dirty="0" smtClean="0"/>
+              <a:t>can edit and view my account information</a:t>
             </a:r>
             <a:endParaRPr lang="en-US" dirty="0"/>
           </a:p>
@@ -3160,8 +3164,30 @@
             </a:pPr>
             <a:r>
               <a:rPr lang="en-US" dirty="0"/>
-              <a:t>Est. Time: 2 weeks/iterations</a:t>
-            </a:r>
+              <a:t>Est. Time: </a:t>
+            </a:r>
+            <a:r>
+              <a:rPr lang="en-US" dirty="0" smtClean="0"/>
+              <a:t>1 </a:t>
+            </a:r>
+            <a:r>
+              <a:rPr lang="en-US" dirty="0" smtClean="0"/>
+              <a:t>weeks/iterations</a:t>
+            </a:r>
+          </a:p>
+          <a:p>
+            <a:pPr marL="0" indent="0">
+              <a:buNone/>
+            </a:pPr>
+            <a:r>
+              <a:rPr lang="en-US" dirty="0"/>
+              <a:t>Priority: </a:t>
+            </a:r>
+            <a:r>
+              <a:rPr lang="en-US" dirty="0" smtClean="0"/>
+              <a:t>9</a:t>
+            </a:r>
+            <a:endParaRPr lang="en-US" dirty="0"/>
           </a:p>
           <a:p>
             <a:pPr marL="0" indent="0">
@@ -3174,7 +3200,7 @@
     </p:spTree>
     <p:extLst>
       <p:ext uri="{BB962C8B-B14F-4D97-AF65-F5344CB8AC3E}">
-        <p14:creationId xmlns:p14="http://schemas.microsoft.com/office/powerpoint/2010/main" val="858522789"/>
+        <p14:creationId xmlns:p14="http://schemas.microsoft.com/office/powerpoint/2010/main" val="2375767190"/>
       </p:ext>
     </p:extLst>
   </p:cSld>
@@ -3217,10 +3243,9 @@
           <a:lstStyle/>
           <a:p>
             <a:r>
-              <a:rPr lang="en-US" dirty="0" smtClean="0"/>
+              <a:rPr lang="en-US" dirty="0"/>
               <a:t>2/8/16</a:t>
             </a:r>
-            <a:endParaRPr lang="en-US" dirty="0"/>
           </a:p>
         </p:txBody>
       </p:sp>
@@ -3246,8 +3271,13 @@
             </a:pPr>
             <a:r>
               <a:rPr lang="en-US" dirty="0"/>
-              <a:t>As a … user interested in selling a service</a:t>
-            </a:r>
+              <a:t>As a … </a:t>
+            </a:r>
+            <a:r>
+              <a:rPr lang="en-US" dirty="0" smtClean="0"/>
+              <a:t>revisiting user who has recently closed the application</a:t>
+            </a:r>
+            <a:endParaRPr lang="en-US" dirty="0"/>
           </a:p>
           <a:p>
             <a:pPr marL="0" indent="0">
@@ -3255,63 +3285,104 @@
             </a:pPr>
             <a:r>
               <a:rPr lang="en-US" dirty="0"/>
-              <a:t>I want … to be able to create a post detailing the service I have to </a:t>
-            </a:r>
-            <a:r>
-              <a:rPr lang="en-US" dirty="0" smtClean="0"/>
-              <a:t>			provide</a:t>
-            </a:r>
-            <a:endParaRPr lang="en-US" dirty="0"/>
-          </a:p>
-          <a:p>
-            <a:pPr marL="0" indent="0">
-              <a:buNone/>
-            </a:pPr>
+              <a:t>I want … </a:t>
+            </a:r>
+            <a:r>
+              <a:rPr lang="en-US" dirty="0" smtClean="0"/>
+              <a:t>to bypass the login page </a:t>
+            </a:r>
+          </a:p>
+          <a:p>
+            <a:pPr marL="0" indent="0">
+              <a:buNone/>
+            </a:pPr>
+            <a:r>
+              <a:rPr lang="en-US" dirty="0" smtClean="0"/>
+              <a:t>So </a:t>
+            </a:r>
             <a:r>
               <a:rPr lang="en-US" dirty="0"/>
-              <a:t>So that … I can add it to the timeline for other users to see.</a:t>
-            </a:r>
-          </a:p>
-          <a:p>
-            <a:pPr marL="0" indent="0">
-              <a:buNone/>
-            </a:pPr>
-            <a:endParaRPr lang="en-US" dirty="0"/>
-          </a:p>
-          <a:p>
-            <a:pPr marL="0" indent="0">
-              <a:buNone/>
-            </a:pPr>
-            <a:endParaRPr lang="en-US" dirty="0"/>
-          </a:p>
-          <a:p>
-            <a:pPr marL="0" indent="0">
-              <a:buNone/>
-            </a:pPr>
-            <a:endParaRPr lang="en-US" dirty="0"/>
-          </a:p>
-          <a:p>
-            <a:pPr marL="0" indent="0">
-              <a:buNone/>
-            </a:pPr>
-            <a:endParaRPr lang="en-US" dirty="0"/>
-          </a:p>
-          <a:p>
-            <a:pPr marL="0" indent="0">
-              <a:buNone/>
-            </a:pPr>
+              <a:t>that … I can avoid having to </a:t>
+            </a:r>
+            <a:r>
+              <a:rPr lang="en-US" dirty="0" smtClean="0"/>
+              <a:t>re-fill </a:t>
+            </a:r>
             <a:r>
               <a:rPr lang="en-US" dirty="0"/>
-              <a:t>Est. Time: 2 weeks/iterations</a:t>
-            </a:r>
-          </a:p>
-          <a:p>
-            <a:pPr marL="0" indent="0">
-              <a:buNone/>
-            </a:pPr>
-            <a:endParaRPr lang="en-US" dirty="0"/>
-          </a:p>
-          <a:p>
+              <a:t>out my </a:t>
+            </a:r>
+            <a:r>
+              <a:rPr lang="en-US" dirty="0" smtClean="0"/>
+              <a:t>information to sign in again</a:t>
+            </a:r>
+            <a:endParaRPr lang="en-US" dirty="0"/>
+          </a:p>
+          <a:p>
+            <a:pPr marL="0" indent="0">
+              <a:buNone/>
+            </a:pPr>
+            <a:endParaRPr lang="en-US" dirty="0"/>
+          </a:p>
+          <a:p>
+            <a:pPr marL="0" indent="0">
+              <a:buNone/>
+            </a:pPr>
+            <a:endParaRPr lang="en-US" dirty="0"/>
+          </a:p>
+          <a:p>
+            <a:pPr marL="0" indent="0">
+              <a:buNone/>
+            </a:pPr>
+            <a:endParaRPr lang="en-US" dirty="0" smtClean="0"/>
+          </a:p>
+          <a:p>
+            <a:pPr marL="0" indent="0">
+              <a:buNone/>
+            </a:pPr>
+            <a:endParaRPr lang="en-US" dirty="0"/>
+          </a:p>
+          <a:p>
+            <a:pPr marL="0" indent="0">
+              <a:buNone/>
+            </a:pPr>
+            <a:r>
+              <a:rPr lang="en-US" dirty="0"/>
+              <a:t>Est. Time: </a:t>
+            </a:r>
+            <a:r>
+              <a:rPr lang="en-US" dirty="0" smtClean="0"/>
+              <a:t>1 </a:t>
+            </a:r>
+            <a:r>
+              <a:rPr lang="en-US" dirty="0" smtClean="0"/>
+              <a:t>week/iteration</a:t>
+            </a:r>
+          </a:p>
+          <a:p>
+            <a:pPr marL="0" indent="0">
+              <a:buNone/>
+            </a:pPr>
+            <a:r>
+              <a:rPr lang="en-US" dirty="0"/>
+              <a:t>Priority: </a:t>
+            </a:r>
+            <a:r>
+              <a:rPr lang="en-US" dirty="0" smtClean="0"/>
+              <a:t>10</a:t>
+            </a:r>
+            <a:endParaRPr lang="en-US" dirty="0"/>
+          </a:p>
+          <a:p>
+            <a:pPr marL="0" indent="0">
+              <a:buNone/>
+            </a:pPr>
+            <a:endParaRPr lang="en-US" dirty="0"/>
+          </a:p>
+          <a:p>
+            <a:pPr marL="0" indent="0">
+              <a:buNone/>
+            </a:pPr>
             <a:endParaRPr lang="en-US" dirty="0"/>
           </a:p>
         </p:txBody>
@@ -3319,7 +3390,180 @@
     </p:spTree>
     <p:extLst>
       <p:ext uri="{BB962C8B-B14F-4D97-AF65-F5344CB8AC3E}">
-        <p14:creationId xmlns:p14="http://schemas.microsoft.com/office/powerpoint/2010/main" val="1102520059"/>
+        <p14:creationId xmlns:p14="http://schemas.microsoft.com/office/powerpoint/2010/main" val="2731492542"/>
+      </p:ext>
+    </p:extLst>
+  </p:cSld>
+  <p:clrMapOvr>
+    <a:masterClrMapping/>
+  </p:clrMapOvr>
+</p:sld>
+</file>
+
+<file path=ppt/slides/slide12.xml><?xml version="1.0" encoding="utf-8"?>
+<p:sld xmlns:a="http://schemas.openxmlformats.org/drawingml/2006/main" xmlns:r="http://schemas.openxmlformats.org/officeDocument/2006/relationships" xmlns:p="http://schemas.openxmlformats.org/presentationml/2006/main">
+  <p:cSld>
+    <p:spTree>
+      <p:nvGrpSpPr>
+        <p:cNvPr id="1" name=""/>
+        <p:cNvGrpSpPr/>
+        <p:nvPr/>
+      </p:nvGrpSpPr>
+      <p:grpSpPr>
+        <a:xfrm>
+          <a:off x="0" y="0"/>
+          <a:ext cx="0" cy="0"/>
+          <a:chOff x="0" y="0"/>
+          <a:chExt cx="0" cy="0"/>
+        </a:xfrm>
+      </p:grpSpPr>
+      <p:sp>
+        <p:nvSpPr>
+          <p:cNvPr id="2" name="Title 1"/>
+          <p:cNvSpPr>
+            <a:spLocks noGrp="1"/>
+          </p:cNvSpPr>
+          <p:nvPr>
+            <p:ph type="title"/>
+          </p:nvPr>
+        </p:nvSpPr>
+        <p:spPr/>
+        <p:txBody>
+          <a:bodyPr/>
+          <a:lstStyle/>
+          <a:p>
+            <a:r>
+              <a:rPr lang="en-US" dirty="0" smtClean="0"/>
+              <a:t>2/16/16</a:t>
+            </a:r>
+            <a:endParaRPr lang="en-US" dirty="0"/>
+          </a:p>
+        </p:txBody>
+      </p:sp>
+      <p:sp>
+        <p:nvSpPr>
+          <p:cNvPr id="3" name="Content Placeholder 2"/>
+          <p:cNvSpPr>
+            <a:spLocks noGrp="1"/>
+          </p:cNvSpPr>
+          <p:nvPr>
+            <p:ph idx="1"/>
+          </p:nvPr>
+        </p:nvSpPr>
+        <p:spPr/>
+        <p:txBody>
+          <a:bodyPr>
+            <a:normAutofit lnSpcReduction="10000"/>
+          </a:bodyPr>
+          <a:lstStyle/>
+          <a:p>
+            <a:pPr marL="0" indent="0">
+              <a:buNone/>
+            </a:pPr>
+            <a:r>
+              <a:rPr lang="en-US" dirty="0"/>
+              <a:t>As a … </a:t>
+            </a:r>
+            <a:r>
+              <a:rPr lang="en-US" dirty="0" smtClean="0"/>
+              <a:t>new user who has signed in</a:t>
+            </a:r>
+            <a:endParaRPr lang="en-US" dirty="0"/>
+          </a:p>
+          <a:p>
+            <a:pPr marL="0" indent="0">
+              <a:buNone/>
+            </a:pPr>
+            <a:r>
+              <a:rPr lang="en-US" dirty="0"/>
+              <a:t>I want … </a:t>
+            </a:r>
+            <a:r>
+              <a:rPr lang="en-US" dirty="0" smtClean="0"/>
+              <a:t>a tutorial video that demonstrates how to use the application</a:t>
+            </a:r>
+            <a:endParaRPr lang="en-US" dirty="0"/>
+          </a:p>
+          <a:p>
+            <a:pPr marL="0" indent="0">
+              <a:buNone/>
+            </a:pPr>
+            <a:r>
+              <a:rPr lang="en-US" dirty="0"/>
+              <a:t>So that … I </a:t>
+            </a:r>
+            <a:r>
+              <a:rPr lang="en-US" dirty="0" smtClean="0"/>
+              <a:t>wont be confused or lost when using the application for the 	first time.</a:t>
+            </a:r>
+            <a:endParaRPr lang="en-US" dirty="0"/>
+          </a:p>
+          <a:p>
+            <a:pPr marL="0" indent="0">
+              <a:buNone/>
+            </a:pPr>
+            <a:endParaRPr lang="en-US" dirty="0"/>
+          </a:p>
+          <a:p>
+            <a:pPr marL="0" indent="0">
+              <a:buNone/>
+            </a:pPr>
+            <a:endParaRPr lang="en-US" dirty="0"/>
+          </a:p>
+          <a:p>
+            <a:pPr marL="0" indent="0">
+              <a:buNone/>
+            </a:pPr>
+            <a:endParaRPr lang="en-US" dirty="0"/>
+          </a:p>
+          <a:p>
+            <a:pPr marL="0" indent="0">
+              <a:buNone/>
+            </a:pPr>
+            <a:r>
+              <a:rPr lang="en-US" dirty="0"/>
+              <a:t>Est. Time: 2 </a:t>
+            </a:r>
+            <a:r>
+              <a:rPr lang="en-US" dirty="0" smtClean="0"/>
+              <a:t>weeks/iterations</a:t>
+            </a:r>
+          </a:p>
+          <a:p>
+            <a:pPr marL="0" indent="0">
+              <a:buNone/>
+            </a:pPr>
+            <a:r>
+              <a:rPr lang="en-US" dirty="0"/>
+              <a:t>Priority: </a:t>
+            </a:r>
+            <a:r>
+              <a:rPr lang="en-US" dirty="0" smtClean="0"/>
+              <a:t>11</a:t>
+            </a:r>
+            <a:endParaRPr lang="en-US" dirty="0"/>
+          </a:p>
+          <a:p>
+            <a:pPr marL="0" indent="0">
+              <a:buNone/>
+            </a:pPr>
+            <a:endParaRPr lang="en-US" dirty="0"/>
+          </a:p>
+          <a:p>
+            <a:pPr marL="0" indent="0">
+              <a:buNone/>
+            </a:pPr>
+            <a:endParaRPr lang="en-US" dirty="0"/>
+          </a:p>
+          <a:p>
+            <a:endParaRPr lang="en-US" dirty="0"/>
+          </a:p>
+        </p:txBody>
+      </p:sp>
+    </p:spTree>
+    <p:extLst>
+      <p:ext uri="{BB962C8B-B14F-4D97-AF65-F5344CB8AC3E}">
+        <p14:creationId xmlns:p14="http://schemas.microsoft.com/office/powerpoint/2010/main" val="1068833946"/>
       </p:ext>
     </p:extLst>
   </p:cSld>
@@ -3382,7 +3626,7 @@
         <p:spPr/>
         <p:txBody>
           <a:bodyPr>
-            <a:normAutofit/>
+            <a:normAutofit lnSpcReduction="10000"/>
           </a:bodyPr>
           <a:lstStyle/>
           <a:p>
@@ -3455,14 +3699,22 @@
             </a:r>
             <a:r>
               <a:rPr lang="en-US" dirty="0" smtClean="0"/>
-              <a:t> week/iteration</a:t>
-            </a:r>
-            <a:endParaRPr lang="en-US" dirty="0"/>
-          </a:p>
-          <a:p>
-            <a:pPr marL="0" indent="0">
-              <a:buNone/>
-            </a:pPr>
+              <a:t> </a:t>
+            </a:r>
+            <a:r>
+              <a:rPr lang="en-US" dirty="0" smtClean="0"/>
+              <a:t>week/iteration</a:t>
+            </a:r>
+            <a:endParaRPr lang="en-US" dirty="0"/>
+          </a:p>
+          <a:p>
+            <a:pPr marL="0" indent="0">
+              <a:buNone/>
+            </a:pPr>
+            <a:r>
+              <a:rPr lang="en-US" dirty="0" smtClean="0"/>
+              <a:t>Priority: 1</a:t>
+            </a:r>
             <a:endParaRPr lang="en-US" dirty="0"/>
           </a:p>
         </p:txBody>
@@ -3513,39 +3765,49 @@
           <a:lstStyle/>
           <a:p>
             <a:r>
+              <a:rPr lang="en-US" dirty="0" smtClean="0"/>
+              <a:t>2/8/16</a:t>
+            </a:r>
+            <a:endParaRPr lang="en-US" dirty="0"/>
+          </a:p>
+        </p:txBody>
+      </p:sp>
+      <p:sp>
+        <p:nvSpPr>
+          <p:cNvPr id="3" name="Content Placeholder 2"/>
+          <p:cNvSpPr>
+            <a:spLocks noGrp="1"/>
+          </p:cNvSpPr>
+          <p:nvPr>
+            <p:ph idx="1"/>
+          </p:nvPr>
+        </p:nvSpPr>
+        <p:spPr/>
+        <p:txBody>
+          <a:bodyPr>
+            <a:normAutofit fontScale="92500" lnSpcReduction="10000"/>
+          </a:bodyPr>
+          <a:lstStyle/>
+          <a:p>
+            <a:pPr marL="0" indent="0">
+              <a:buNone/>
+            </a:pPr>
+            <a:r>
               <a:rPr lang="en-US" dirty="0"/>
-              <a:t>2/8/16</a:t>
-            </a:r>
-          </a:p>
-        </p:txBody>
-      </p:sp>
-      <p:sp>
-        <p:nvSpPr>
-          <p:cNvPr id="3" name="Content Placeholder 2"/>
-          <p:cNvSpPr>
-            <a:spLocks noGrp="1"/>
-          </p:cNvSpPr>
-          <p:nvPr>
-            <p:ph idx="1"/>
-          </p:nvPr>
-        </p:nvSpPr>
-        <p:spPr/>
-        <p:txBody>
-          <a:bodyPr>
-            <a:normAutofit/>
-          </a:bodyPr>
-          <a:lstStyle/>
+              <a:t>As a … user interested in selling a service</a:t>
+            </a:r>
+          </a:p>
           <a:p>
             <a:pPr marL="0" indent="0">
               <a:buNone/>
             </a:pPr>
             <a:r>
               <a:rPr lang="en-US" dirty="0"/>
-              <a:t>As a … </a:t>
-            </a:r>
-            <a:r>
-              <a:rPr lang="en-US" dirty="0" smtClean="0"/>
-              <a:t>revisiting user who has recently closed the application</a:t>
+              <a:t>I want … to be able to create a post detailing the service I have to </a:t>
+            </a:r>
+            <a:r>
+              <a:rPr lang="en-US" dirty="0" smtClean="0"/>
+              <a:t>			provide</a:t>
             </a:r>
             <a:endParaRPr lang="en-US" dirty="0"/>
           </a:p>
@@ -3555,81 +3817,73 @@
             </a:pPr>
             <a:r>
               <a:rPr lang="en-US" dirty="0"/>
-              <a:t>I want … </a:t>
-            </a:r>
-            <a:r>
-              <a:rPr lang="en-US" dirty="0" smtClean="0"/>
-              <a:t>to bypass the login page </a:t>
-            </a:r>
-          </a:p>
-          <a:p>
-            <a:pPr marL="0" indent="0">
-              <a:buNone/>
-            </a:pPr>
-            <a:r>
-              <a:rPr lang="en-US" dirty="0" smtClean="0"/>
-              <a:t>So </a:t>
-            </a:r>
+              <a:t>So that … I can add it to the timeline for other users to see.</a:t>
+            </a:r>
+          </a:p>
+          <a:p>
+            <a:pPr marL="0" indent="0">
+              <a:buNone/>
+            </a:pPr>
+            <a:endParaRPr lang="en-US" dirty="0"/>
+          </a:p>
+          <a:p>
+            <a:pPr marL="0" indent="0">
+              <a:buNone/>
+            </a:pPr>
+            <a:endParaRPr lang="en-US" dirty="0"/>
+          </a:p>
+          <a:p>
+            <a:pPr marL="0" indent="0">
+              <a:buNone/>
+            </a:pPr>
+            <a:endParaRPr lang="en-US" dirty="0"/>
+          </a:p>
+          <a:p>
+            <a:pPr marL="0" indent="0">
+              <a:buNone/>
+            </a:pPr>
+            <a:endParaRPr lang="en-US" dirty="0"/>
+          </a:p>
+          <a:p>
+            <a:pPr marL="0" indent="0">
+              <a:buNone/>
+            </a:pPr>
             <a:r>
               <a:rPr lang="en-US" dirty="0"/>
-              <a:t>that … I can avoid having to </a:t>
-            </a:r>
-            <a:r>
-              <a:rPr lang="en-US" dirty="0" smtClean="0"/>
-              <a:t>re-fill </a:t>
-            </a:r>
+              <a:t>Est. Time: 2 </a:t>
+            </a:r>
+            <a:r>
+              <a:rPr lang="en-US" dirty="0" smtClean="0"/>
+              <a:t>weeks/iterations</a:t>
+            </a:r>
+          </a:p>
+          <a:p>
+            <a:pPr marL="0" indent="0">
+              <a:buNone/>
+            </a:pPr>
             <a:r>
               <a:rPr lang="en-US" dirty="0"/>
-              <a:t>out my </a:t>
-            </a:r>
-            <a:r>
-              <a:rPr lang="en-US" dirty="0" smtClean="0"/>
-              <a:t>information to sign in again</a:t>
-            </a:r>
-            <a:endParaRPr lang="en-US" dirty="0"/>
-          </a:p>
-          <a:p>
-            <a:pPr marL="0" indent="0">
-              <a:buNone/>
-            </a:pPr>
-            <a:endParaRPr lang="en-US" dirty="0"/>
-          </a:p>
-          <a:p>
-            <a:pPr marL="0" indent="0">
-              <a:buNone/>
-            </a:pPr>
-            <a:endParaRPr lang="en-US" dirty="0"/>
-          </a:p>
-          <a:p>
-            <a:pPr marL="0" indent="0">
-              <a:buNone/>
-            </a:pPr>
-            <a:endParaRPr lang="en-US" dirty="0" smtClean="0"/>
-          </a:p>
-          <a:p>
-            <a:pPr marL="0" indent="0">
-              <a:buNone/>
-            </a:pPr>
-            <a:endParaRPr lang="en-US" dirty="0"/>
-          </a:p>
-          <a:p>
-            <a:pPr marL="0" indent="0">
-              <a:buNone/>
-            </a:pPr>
-            <a:r>
-              <a:rPr lang="en-US" dirty="0"/>
-              <a:t>Est. Time: </a:t>
-            </a:r>
-            <a:r>
-              <a:rPr lang="en-US" dirty="0" smtClean="0"/>
-              <a:t>1 week/iteration</a:t>
-            </a:r>
-            <a:endParaRPr lang="en-US" dirty="0"/>
-          </a:p>
-          <a:p>
-            <a:pPr marL="0" indent="0">
-              <a:buNone/>
-            </a:pPr>
+              <a:t>Priority: </a:t>
+            </a:r>
+            <a:r>
+              <a:rPr lang="en-US" dirty="0" smtClean="0"/>
+              <a:t>2</a:t>
+            </a:r>
+            <a:endParaRPr lang="en-US" dirty="0"/>
+          </a:p>
+          <a:p>
+            <a:pPr marL="0" indent="0">
+              <a:buNone/>
+            </a:pPr>
+            <a:endParaRPr lang="en-US" dirty="0"/>
+          </a:p>
+          <a:p>
+            <a:pPr marL="0" indent="0">
+              <a:buNone/>
+            </a:pPr>
+            <a:endParaRPr lang="en-US" dirty="0"/>
+          </a:p>
+          <a:p>
             <a:endParaRPr lang="en-US" dirty="0"/>
           </a:p>
         </p:txBody>
@@ -3637,7 +3891,7 @@
     </p:spTree>
     <p:extLst>
       <p:ext uri="{BB962C8B-B14F-4D97-AF65-F5344CB8AC3E}">
-        <p14:creationId xmlns:p14="http://schemas.microsoft.com/office/powerpoint/2010/main" val="2731492542"/>
+        <p14:creationId xmlns:p14="http://schemas.microsoft.com/office/powerpoint/2010/main" val="1102520059"/>
       </p:ext>
     </p:extLst>
   </p:cSld>
@@ -3708,26 +3962,32 @@
             </a:pPr>
             <a:r>
               <a:rPr lang="en-US" dirty="0" smtClean="0"/>
-              <a:t>As a … user</a:t>
-            </a:r>
-          </a:p>
-          <a:p>
-            <a:pPr marL="0" indent="0">
-              <a:buNone/>
-            </a:pPr>
-            <a:r>
-              <a:rPr lang="en-US" dirty="0" smtClean="0"/>
-              <a:t>I want … the option to be able to sign up for an account on this application 			using Facebook</a:t>
-            </a:r>
-          </a:p>
-          <a:p>
-            <a:pPr marL="0" indent="0">
-              <a:buNone/>
-            </a:pPr>
-            <a:r>
-              <a:rPr lang="en-US" dirty="0" smtClean="0"/>
-              <a:t>So that … I can avoid having to fill out my information for this applications 			signup process myself</a:t>
-            </a:r>
+              <a:t>As a … signed in user</a:t>
+            </a:r>
+          </a:p>
+          <a:p>
+            <a:pPr marL="0" indent="0">
+              <a:buNone/>
+            </a:pPr>
+            <a:r>
+              <a:rPr lang="en-US" dirty="0" smtClean="0"/>
+              <a:t>I want … to be brought to a newsfeed of posts about services for sale</a:t>
+            </a:r>
+          </a:p>
+          <a:p>
+            <a:pPr marL="0" indent="0">
+              <a:buNone/>
+            </a:pPr>
+            <a:r>
+              <a:rPr lang="en-US" dirty="0" smtClean="0"/>
+              <a:t>So that … I can scroll through services to find one that I am looking to 			purchase.</a:t>
+            </a:r>
+          </a:p>
+          <a:p>
+            <a:pPr marL="0" indent="0">
+              <a:buNone/>
+            </a:pPr>
+            <a:endParaRPr lang="en-US" dirty="0"/>
           </a:p>
           <a:p>
             <a:pPr marL="0" indent="0">
@@ -3745,43 +4005,43 @@
             <a:pPr marL="0" indent="0">
               <a:buNone/>
             </a:pPr>
+            <a:endParaRPr lang="en-US" dirty="0"/>
+          </a:p>
+          <a:p>
+            <a:pPr marL="0" indent="0">
+              <a:buNone/>
+            </a:pPr>
+            <a:r>
+              <a:rPr lang="en-US" dirty="0" smtClean="0"/>
+              <a:t>Est. Time: 2 </a:t>
+            </a:r>
+            <a:r>
+              <a:rPr lang="en-US" dirty="0" smtClean="0"/>
+              <a:t>weeks/iterations</a:t>
+            </a:r>
+            <a:endParaRPr lang="en-US" dirty="0"/>
+          </a:p>
+          <a:p>
+            <a:pPr marL="0" indent="0">
+              <a:buNone/>
+            </a:pPr>
+            <a:r>
+              <a:rPr lang="en-US" dirty="0"/>
+              <a:t>Priority: 3</a:t>
+            </a:r>
+          </a:p>
+          <a:p>
+            <a:pPr marL="0" indent="0">
+              <a:buNone/>
+            </a:pPr>
             <a:endParaRPr lang="en-US" dirty="0" smtClean="0"/>
-          </a:p>
-          <a:p>
-            <a:pPr marL="0" indent="0">
-              <a:buNone/>
-            </a:pPr>
-            <a:endParaRPr lang="en-US" dirty="0" smtClean="0"/>
-          </a:p>
-          <a:p>
-            <a:pPr marL="0" indent="0">
-              <a:buNone/>
-            </a:pPr>
-            <a:r>
-              <a:rPr lang="en-US" dirty="0" smtClean="0"/>
-              <a:t>Est. Time: </a:t>
-            </a:r>
-            <a:r>
-              <a:rPr lang="en-US" dirty="0"/>
-              <a:t>3</a:t>
-            </a:r>
-            <a:r>
-              <a:rPr lang="en-US" dirty="0" smtClean="0"/>
-              <a:t> weeks/iterations</a:t>
-            </a:r>
-          </a:p>
-          <a:p>
-            <a:pPr marL="0" indent="0">
-              <a:buNone/>
-            </a:pPr>
-            <a:endParaRPr lang="en-US" dirty="0"/>
           </a:p>
         </p:txBody>
       </p:sp>
     </p:spTree>
     <p:extLst>
       <p:ext uri="{BB962C8B-B14F-4D97-AF65-F5344CB8AC3E}">
-        <p14:creationId xmlns:p14="http://schemas.microsoft.com/office/powerpoint/2010/main" val="984729293"/>
+        <p14:creationId xmlns:p14="http://schemas.microsoft.com/office/powerpoint/2010/main" val="1988169867"/>
       </p:ext>
     </p:extLst>
   </p:cSld>
@@ -3852,32 +4112,26 @@
             </a:pPr>
             <a:r>
               <a:rPr lang="en-US" dirty="0" smtClean="0"/>
-              <a:t>As a … signed in user</a:t>
-            </a:r>
-          </a:p>
-          <a:p>
-            <a:pPr marL="0" indent="0">
-              <a:buNone/>
-            </a:pPr>
-            <a:r>
-              <a:rPr lang="en-US" dirty="0" smtClean="0"/>
-              <a:t>I want … to be brought to a newsfeed of posts about services for sale</a:t>
-            </a:r>
-          </a:p>
-          <a:p>
-            <a:pPr marL="0" indent="0">
-              <a:buNone/>
-            </a:pPr>
-            <a:r>
-              <a:rPr lang="en-US" dirty="0" smtClean="0"/>
-              <a:t>So that … I can scroll through services to find one that I am looking to 			purchase.</a:t>
-            </a:r>
-          </a:p>
-          <a:p>
-            <a:pPr marL="0" indent="0">
-              <a:buNone/>
-            </a:pPr>
-            <a:endParaRPr lang="en-US" dirty="0"/>
+              <a:t>As a … user who is interested in a posted service for sale</a:t>
+            </a:r>
+          </a:p>
+          <a:p>
+            <a:pPr marL="0" indent="0">
+              <a:buNone/>
+            </a:pPr>
+            <a:r>
+              <a:rPr lang="en-US" dirty="0" smtClean="0"/>
+              <a:t>I want … to be able to click on this post from the timeline</a:t>
+            </a:r>
+          </a:p>
+          <a:p>
+            <a:pPr marL="0" indent="0">
+              <a:buNone/>
+            </a:pPr>
+            <a:r>
+              <a:rPr lang="en-US" dirty="0" smtClean="0"/>
+              <a:t>So that … I can see a more detailed description of the service for sale.</a:t>
+            </a:r>
           </a:p>
           <a:p>
             <a:pPr marL="0" indent="0">
@@ -3895,23 +4149,59 @@
             <a:pPr marL="0" indent="0">
               <a:buNone/>
             </a:pPr>
-            <a:endParaRPr lang="en-US" dirty="0"/>
-          </a:p>
-          <a:p>
-            <a:pPr marL="0" indent="0">
-              <a:buNone/>
-            </a:pPr>
-            <a:r>
-              <a:rPr lang="en-US" dirty="0" smtClean="0"/>
-              <a:t>Est. Time: 2 weeks/iterations</a:t>
-            </a:r>
+            <a:endParaRPr lang="en-US" dirty="0" smtClean="0"/>
+          </a:p>
+          <a:p>
+            <a:pPr marL="0" indent="0">
+              <a:buNone/>
+            </a:pPr>
+            <a:endParaRPr lang="en-US" dirty="0" smtClean="0"/>
+          </a:p>
+          <a:p>
+            <a:pPr marL="0" indent="0">
+              <a:buNone/>
+            </a:pPr>
+            <a:r>
+              <a:rPr lang="en-US" dirty="0" smtClean="0"/>
+              <a:t>Est. Time: 1 </a:t>
+            </a:r>
+            <a:r>
+              <a:rPr lang="en-US" dirty="0" smtClean="0"/>
+              <a:t>week/iteration</a:t>
+            </a:r>
+          </a:p>
+          <a:p>
+            <a:pPr marL="0" indent="0">
+              <a:buNone/>
+            </a:pPr>
+            <a:r>
+              <a:rPr lang="en-US" dirty="0"/>
+              <a:t>Priority: </a:t>
+            </a:r>
+            <a:r>
+              <a:rPr lang="en-US" dirty="0" smtClean="0"/>
+              <a:t>4</a:t>
+            </a:r>
+            <a:endParaRPr lang="en-US" dirty="0"/>
+          </a:p>
+          <a:p>
+            <a:pPr marL="0" indent="0">
+              <a:buNone/>
+            </a:pPr>
+            <a:endParaRPr lang="en-US" dirty="0" smtClean="0"/>
+          </a:p>
+          <a:p>
+            <a:pPr marL="0" indent="0">
+              <a:buNone/>
+            </a:pPr>
+            <a:endParaRPr lang="en-US" dirty="0"/>
           </a:p>
         </p:txBody>
       </p:sp>
     </p:spTree>
     <p:extLst>
       <p:ext uri="{BB962C8B-B14F-4D97-AF65-F5344CB8AC3E}">
-        <p14:creationId xmlns:p14="http://schemas.microsoft.com/office/powerpoint/2010/main" val="1988169867"/>
+        <p14:creationId xmlns:p14="http://schemas.microsoft.com/office/powerpoint/2010/main" val="3258834529"/>
       </p:ext>
     </p:extLst>
   </p:cSld>
@@ -3973,7 +4263,7 @@
         <p:spPr/>
         <p:txBody>
           <a:bodyPr>
-            <a:normAutofit/>
+            <a:normAutofit lnSpcReduction="10000"/>
           </a:bodyPr>
           <a:lstStyle/>
           <a:p>
@@ -4012,11 +4302,7 @@
             </a:r>
             <a:r>
               <a:rPr lang="en-US" dirty="0" smtClean="0"/>
-              <a:t>can </a:t>
-            </a:r>
-            <a:r>
-              <a:rPr lang="en-US" dirty="0" smtClean="0"/>
-              <a:t>navigate between pages of the application.</a:t>
+              <a:t>can navigate between pages of the application.</a:t>
             </a:r>
             <a:endParaRPr lang="en-US" dirty="0"/>
           </a:p>
@@ -4050,20 +4336,31 @@
             </a:pPr>
             <a:r>
               <a:rPr lang="en-US" dirty="0"/>
-              <a:t>Est. Time: </a:t>
-            </a:r>
+              <a:t>Est. Time: 2</a:t>
+            </a:r>
+            <a:r>
+              <a:rPr lang="en-US" dirty="0" smtClean="0"/>
+              <a:t> </a:t>
+            </a:r>
+            <a:r>
+              <a:rPr lang="en-US" dirty="0" smtClean="0"/>
+              <a:t>weeks/iterations</a:t>
+            </a:r>
+          </a:p>
+          <a:p>
+            <a:pPr marL="0" indent="0">
+              <a:buNone/>
+            </a:pPr>
             <a:r>
               <a:rPr lang="en-US" dirty="0"/>
-              <a:t>2</a:t>
-            </a:r>
-            <a:r>
-              <a:rPr lang="en-US" dirty="0" smtClean="0"/>
-              <a:t> </a:t>
-            </a:r>
-            <a:r>
-              <a:rPr lang="en-US" dirty="0"/>
-              <a:t>weeks/iterations</a:t>
-            </a:r>
+              <a:t>Priority: 5</a:t>
+            </a:r>
+          </a:p>
+          <a:p>
+            <a:pPr marL="0" indent="0">
+              <a:buNone/>
+            </a:pPr>
+            <a:endParaRPr lang="en-US" dirty="0"/>
           </a:p>
         </p:txBody>
       </p:sp>
@@ -4132,7 +4429,7 @@
         <p:spPr/>
         <p:txBody>
           <a:bodyPr>
-            <a:normAutofit/>
+            <a:normAutofit lnSpcReduction="10000"/>
           </a:bodyPr>
           <a:lstStyle/>
           <a:p>
@@ -4141,7 +4438,7 @@
             </a:pPr>
             <a:r>
               <a:rPr lang="en-US" dirty="0"/>
-              <a:t>As a … signed in user</a:t>
+              <a:t>As a … user who is interested in a posted service for sale</a:t>
             </a:r>
           </a:p>
           <a:p>
@@ -4150,37 +4447,25 @@
             </a:pPr>
             <a:r>
               <a:rPr lang="en-US" dirty="0"/>
-              <a:t>I want … to </a:t>
-            </a:r>
-            <a:r>
-              <a:rPr lang="en-US" dirty="0" smtClean="0"/>
-              <a:t>be </a:t>
-            </a:r>
-            <a:r>
-              <a:rPr lang="en-US" dirty="0" smtClean="0"/>
-              <a:t>able to navigate to my profile page from the menu</a:t>
-            </a:r>
-            <a:endParaRPr lang="en-US" dirty="0" smtClean="0"/>
-          </a:p>
-          <a:p>
-            <a:pPr marL="0" indent="0">
-              <a:buNone/>
-            </a:pPr>
-            <a:r>
-              <a:rPr lang="en-US" dirty="0" smtClean="0"/>
-              <a:t>So </a:t>
-            </a:r>
+              <a:t>I want … to be able to </a:t>
+            </a:r>
+            <a:r>
+              <a:rPr lang="en-US" dirty="0" smtClean="0"/>
+              <a:t>search a set of posts using a key word</a:t>
+            </a:r>
+            <a:endParaRPr lang="en-US" dirty="0"/>
+          </a:p>
+          <a:p>
+            <a:pPr marL="0" indent="0">
+              <a:buNone/>
+            </a:pPr>
             <a:r>
               <a:rPr lang="en-US" dirty="0"/>
-              <a:t>that … I </a:t>
-            </a:r>
-            <a:r>
-              <a:rPr lang="en-US" dirty="0" smtClean="0"/>
-              <a:t>can edit and view my account </a:t>
-            </a:r>
-            <a:r>
-              <a:rPr lang="en-US" dirty="0" smtClean="0"/>
-              <a:t>information</a:t>
+              <a:t>So that … I can </a:t>
+            </a:r>
+            <a:r>
+              <a:rPr lang="en-US" dirty="0" smtClean="0"/>
+              <a:t>see the list of posts that are relevant to my search</a:t>
             </a:r>
             <a:endParaRPr lang="en-US" dirty="0"/>
           </a:p>
@@ -4214,23 +4499,45 @@
             </a:pPr>
             <a:r>
               <a:rPr lang="en-US" dirty="0"/>
-              <a:t>Est. Time: </a:t>
-            </a:r>
-            <a:r>
-              <a:rPr lang="en-US" dirty="0" smtClean="0"/>
-              <a:t>1 </a:t>
-            </a:r>
+              <a:t>Est. Time: 2 </a:t>
+            </a:r>
+            <a:r>
+              <a:rPr lang="en-US" dirty="0" smtClean="0"/>
+              <a:t>weeks/iterations</a:t>
+            </a:r>
+          </a:p>
+          <a:p>
+            <a:pPr marL="0" indent="0">
+              <a:buNone/>
+            </a:pPr>
             <a:r>
               <a:rPr lang="en-US" dirty="0"/>
-              <a:t>weeks/iterations</a:t>
-            </a:r>
+              <a:t>Priority: </a:t>
+            </a:r>
+            <a:r>
+              <a:rPr lang="en-US" dirty="0" smtClean="0"/>
+              <a:t>6</a:t>
+            </a:r>
+            <a:endParaRPr lang="en-US" dirty="0"/>
+          </a:p>
+          <a:p>
+            <a:pPr marL="0" indent="0">
+              <a:buNone/>
+            </a:pPr>
+            <a:endParaRPr lang="en-US" dirty="0"/>
+          </a:p>
+          <a:p>
+            <a:pPr marL="0" indent="0">
+              <a:buNone/>
+            </a:pPr>
+            <a:endParaRPr lang="en-US" dirty="0"/>
           </a:p>
         </p:txBody>
       </p:sp>
     </p:spTree>
     <p:extLst>
       <p:ext uri="{BB962C8B-B14F-4D97-AF65-F5344CB8AC3E}">
-        <p14:creationId xmlns:p14="http://schemas.microsoft.com/office/powerpoint/2010/main" val="2375767190"/>
+        <p14:creationId xmlns:p14="http://schemas.microsoft.com/office/powerpoint/2010/main" val="858522789"/>
       </p:ext>
     </p:extLst>
   </p:cSld>
@@ -4291,7 +4598,9 @@
         </p:nvSpPr>
         <p:spPr/>
         <p:txBody>
-          <a:bodyPr/>
+          <a:bodyPr>
+            <a:normAutofit lnSpcReduction="10000"/>
+          </a:bodyPr>
           <a:lstStyle/>
           <a:p>
             <a:pPr marL="0" indent="0">
@@ -4308,16 +4617,16 @@
             </a:pPr>
             <a:r>
               <a:rPr lang="en-US" dirty="0" smtClean="0"/>
-              <a:t>I want … to be able to click on this post from the timeline</a:t>
-            </a:r>
-          </a:p>
-          <a:p>
-            <a:pPr marL="0" indent="0">
-              <a:buNone/>
-            </a:pPr>
-            <a:r>
-              <a:rPr lang="en-US" dirty="0" smtClean="0"/>
-              <a:t>So that … I can see a more detailed description of the service for sale.</a:t>
+              <a:t>I want … to be able to be able to message the owner of that post </a:t>
+            </a:r>
+          </a:p>
+          <a:p>
+            <a:pPr marL="0" indent="0">
+              <a:buNone/>
+            </a:pPr>
+            <a:r>
+              <a:rPr lang="en-US" dirty="0" smtClean="0"/>
+              <a:t>So that … I can coordinate the transaction.</a:t>
             </a:r>
           </a:p>
           <a:p>
@@ -4350,8 +4659,32 @@
             </a:pPr>
             <a:r>
               <a:rPr lang="en-US" dirty="0" smtClean="0"/>
-              <a:t>Est. Time: 1 week/iteration</a:t>
-            </a:r>
+              <a:t>Est. Time: 2 </a:t>
+            </a:r>
+            <a:r>
+              <a:rPr lang="en-US" dirty="0" smtClean="0"/>
+              <a:t>weeks/iterations</a:t>
+            </a:r>
+          </a:p>
+          <a:p>
+            <a:pPr marL="0" indent="0">
+              <a:buNone/>
+            </a:pPr>
+            <a:r>
+              <a:rPr lang="en-US" dirty="0"/>
+              <a:t>Priority: </a:t>
+            </a:r>
+            <a:r>
+              <a:rPr lang="en-US" dirty="0" smtClean="0"/>
+              <a:t>7</a:t>
+            </a:r>
+            <a:endParaRPr lang="en-US" dirty="0"/>
+          </a:p>
+          <a:p>
+            <a:pPr marL="0" indent="0">
+              <a:buNone/>
+            </a:pPr>
+            <a:endParaRPr lang="en-US" dirty="0" smtClean="0"/>
           </a:p>
           <a:p>
             <a:pPr marL="0" indent="0">
@@ -4364,7 +4697,7 @@
     </p:spTree>
     <p:extLst>
       <p:ext uri="{BB962C8B-B14F-4D97-AF65-F5344CB8AC3E}">
-        <p14:creationId xmlns:p14="http://schemas.microsoft.com/office/powerpoint/2010/main" val="3258834529"/>
+        <p14:creationId xmlns:p14="http://schemas.microsoft.com/office/powerpoint/2010/main" val="2147469841"/>
       </p:ext>
     </p:extLst>
   </p:cSld>
@@ -4425,33 +4758,35 @@
         </p:nvSpPr>
         <p:spPr/>
         <p:txBody>
-          <a:bodyPr/>
-          <a:lstStyle/>
-          <a:p>
-            <a:pPr marL="0" indent="0">
-              <a:buNone/>
-            </a:pPr>
-            <a:r>
-              <a:rPr lang="en-US" dirty="0" smtClean="0"/>
-              <a:t>As a … user who is interested in a posted service for sale</a:t>
-            </a:r>
-          </a:p>
-          <a:p>
-            <a:pPr marL="0" indent="0">
-              <a:buNone/>
-            </a:pPr>
-            <a:r>
-              <a:rPr lang="en-US" dirty="0" smtClean="0"/>
-              <a:t>I want … to be able to be able to message the owner of that post </a:t>
-            </a:r>
-          </a:p>
-          <a:p>
-            <a:pPr marL="0" indent="0">
-              <a:buNone/>
-            </a:pPr>
-            <a:r>
-              <a:rPr lang="en-US" dirty="0" smtClean="0"/>
-              <a:t>So that … I can coordinate the transaction.</a:t>
+          <a:bodyPr>
+            <a:normAutofit fontScale="92500" lnSpcReduction="20000"/>
+          </a:bodyPr>
+          <a:lstStyle/>
+          <a:p>
+            <a:pPr marL="0" indent="0">
+              <a:buNone/>
+            </a:pPr>
+            <a:r>
+              <a:rPr lang="en-US" dirty="0" smtClean="0"/>
+              <a:t>As a … user</a:t>
+            </a:r>
+          </a:p>
+          <a:p>
+            <a:pPr marL="0" indent="0">
+              <a:buNone/>
+            </a:pPr>
+            <a:r>
+              <a:rPr lang="en-US" dirty="0" smtClean="0"/>
+              <a:t>I want … the option to be able to sign up for an account on this application 			using Facebook</a:t>
+            </a:r>
+          </a:p>
+          <a:p>
+            <a:pPr marL="0" indent="0">
+              <a:buNone/>
+            </a:pPr>
+            <a:r>
+              <a:rPr lang="en-US" dirty="0" smtClean="0"/>
+              <a:t>So that … I can avoid having to fill out my information for this applications 			signup process myself</a:t>
             </a:r>
           </a:p>
           <a:p>
@@ -4484,8 +4819,30 @@
             </a:pPr>
             <a:r>
               <a:rPr lang="en-US" dirty="0" smtClean="0"/>
-              <a:t>Est. Time: 2 weeks/iterations</a:t>
-            </a:r>
+              <a:t>Est. Time: </a:t>
+            </a:r>
+            <a:r>
+              <a:rPr lang="en-US" dirty="0"/>
+              <a:t>3</a:t>
+            </a:r>
+            <a:r>
+              <a:rPr lang="en-US" dirty="0" smtClean="0"/>
+              <a:t> </a:t>
+            </a:r>
+            <a:r>
+              <a:rPr lang="en-US" dirty="0" smtClean="0"/>
+              <a:t>weeks/iterations</a:t>
+            </a:r>
+          </a:p>
+          <a:p>
+            <a:pPr marL="0" indent="0">
+              <a:buNone/>
+            </a:pPr>
+            <a:r>
+              <a:rPr lang="en-US" dirty="0"/>
+              <a:t>Priority: 8</a:t>
+            </a:r>
+            <a:endParaRPr lang="en-US" dirty="0" smtClean="0"/>
           </a:p>
           <a:p>
             <a:pPr marL="0" indent="0">
@@ -4498,7 +4855,7 @@
     </p:spTree>
     <p:extLst>
       <p:ext uri="{BB962C8B-B14F-4D97-AF65-F5344CB8AC3E}">
-        <p14:creationId xmlns:p14="http://schemas.microsoft.com/office/powerpoint/2010/main" val="2147469841"/>
+        <p14:creationId xmlns:p14="http://schemas.microsoft.com/office/powerpoint/2010/main" val="984729293"/>
       </p:ext>
     </p:extLst>
   </p:cSld>

--- a/UserStoriesV2.pptx
+++ b/UserStoriesV2.pptx
@@ -7,13 +7,13 @@
   <p:sldIdLst>
     <p:sldId id="256" r:id="rId2"/>
     <p:sldId id="262" r:id="rId3"/>
-    <p:sldId id="265" r:id="rId4"/>
-    <p:sldId id="257" r:id="rId5"/>
-    <p:sldId id="259" r:id="rId6"/>
-    <p:sldId id="260" r:id="rId7"/>
-    <p:sldId id="264" r:id="rId8"/>
+    <p:sldId id="258" r:id="rId4"/>
+    <p:sldId id="265" r:id="rId5"/>
+    <p:sldId id="257" r:id="rId6"/>
+    <p:sldId id="259" r:id="rId7"/>
+    <p:sldId id="260" r:id="rId8"/>
     <p:sldId id="266" r:id="rId9"/>
-    <p:sldId id="258" r:id="rId10"/>
+    <p:sldId id="264" r:id="rId10"/>
     <p:sldId id="267" r:id="rId11"/>
     <p:sldId id="263" r:id="rId12"/>
     <p:sldId id="268" r:id="rId13"/>
@@ -254,7 +254,7 @@
           <a:p>
             <a:fld id="{5DDB60B5-0831-44F0-B0BC-66D2EFC82116}" type="datetimeFigureOut">
               <a:rPr lang="en-US" smtClean="0"/>
-              <a:t>2/16/2016</a:t>
+              <a:t>2/22/2016</a:t>
             </a:fld>
             <a:endParaRPr lang="en-US"/>
           </a:p>
@@ -424,7 +424,7 @@
           <a:p>
             <a:fld id="{5DDB60B5-0831-44F0-B0BC-66D2EFC82116}" type="datetimeFigureOut">
               <a:rPr lang="en-US" smtClean="0"/>
-              <a:t>2/16/2016</a:t>
+              <a:t>2/22/2016</a:t>
             </a:fld>
             <a:endParaRPr lang="en-US"/>
           </a:p>
@@ -604,7 +604,7 @@
           <a:p>
             <a:fld id="{5DDB60B5-0831-44F0-B0BC-66D2EFC82116}" type="datetimeFigureOut">
               <a:rPr lang="en-US" smtClean="0"/>
-              <a:t>2/16/2016</a:t>
+              <a:t>2/22/2016</a:t>
             </a:fld>
             <a:endParaRPr lang="en-US"/>
           </a:p>
@@ -774,7 +774,7 @@
           <a:p>
             <a:fld id="{5DDB60B5-0831-44F0-B0BC-66D2EFC82116}" type="datetimeFigureOut">
               <a:rPr lang="en-US" smtClean="0"/>
-              <a:t>2/16/2016</a:t>
+              <a:t>2/22/2016</a:t>
             </a:fld>
             <a:endParaRPr lang="en-US"/>
           </a:p>
@@ -1020,7 +1020,7 @@
           <a:p>
             <a:fld id="{5DDB60B5-0831-44F0-B0BC-66D2EFC82116}" type="datetimeFigureOut">
               <a:rPr lang="en-US" smtClean="0"/>
-              <a:t>2/16/2016</a:t>
+              <a:t>2/22/2016</a:t>
             </a:fld>
             <a:endParaRPr lang="en-US"/>
           </a:p>
@@ -1252,7 +1252,7 @@
           <a:p>
             <a:fld id="{5DDB60B5-0831-44F0-B0BC-66D2EFC82116}" type="datetimeFigureOut">
               <a:rPr lang="en-US" smtClean="0"/>
-              <a:t>2/16/2016</a:t>
+              <a:t>2/22/2016</a:t>
             </a:fld>
             <a:endParaRPr lang="en-US"/>
           </a:p>
@@ -1619,7 +1619,7 @@
           <a:p>
             <a:fld id="{5DDB60B5-0831-44F0-B0BC-66D2EFC82116}" type="datetimeFigureOut">
               <a:rPr lang="en-US" smtClean="0"/>
-              <a:t>2/16/2016</a:t>
+              <a:t>2/22/2016</a:t>
             </a:fld>
             <a:endParaRPr lang="en-US"/>
           </a:p>
@@ -1737,7 +1737,7 @@
           <a:p>
             <a:fld id="{5DDB60B5-0831-44F0-B0BC-66D2EFC82116}" type="datetimeFigureOut">
               <a:rPr lang="en-US" smtClean="0"/>
-              <a:t>2/16/2016</a:t>
+              <a:t>2/22/2016</a:t>
             </a:fld>
             <a:endParaRPr lang="en-US"/>
           </a:p>
@@ -1832,7 +1832,7 @@
           <a:p>
             <a:fld id="{5DDB60B5-0831-44F0-B0BC-66D2EFC82116}" type="datetimeFigureOut">
               <a:rPr lang="en-US" smtClean="0"/>
-              <a:t>2/16/2016</a:t>
+              <a:t>2/22/2016</a:t>
             </a:fld>
             <a:endParaRPr lang="en-US"/>
           </a:p>
@@ -2109,7 +2109,7 @@
           <a:p>
             <a:fld id="{5DDB60B5-0831-44F0-B0BC-66D2EFC82116}" type="datetimeFigureOut">
               <a:rPr lang="en-US" smtClean="0"/>
-              <a:t>2/16/2016</a:t>
+              <a:t>2/22/2016</a:t>
             </a:fld>
             <a:endParaRPr lang="en-US"/>
           </a:p>
@@ -2362,7 +2362,7 @@
           <a:p>
             <a:fld id="{5DDB60B5-0831-44F0-B0BC-66D2EFC82116}" type="datetimeFigureOut">
               <a:rPr lang="en-US" smtClean="0"/>
-              <a:t>2/16/2016</a:t>
+              <a:t>2/22/2016</a:t>
             </a:fld>
             <a:endParaRPr lang="en-US"/>
           </a:p>
@@ -2575,7 +2575,7 @@
           <a:p>
             <a:fld id="{5DDB60B5-0831-44F0-B0BC-66D2EFC82116}" type="datetimeFigureOut">
               <a:rPr lang="en-US" smtClean="0"/>
-              <a:t>2/16/2016</a:t>
+              <a:t>2/22/2016</a:t>
             </a:fld>
             <a:endParaRPr lang="en-US"/>
           </a:p>
@@ -3018,10 +3018,6 @@
           <a:bodyPr/>
           <a:lstStyle/>
           <a:p>
-            <a:r>
-              <a:rPr lang="en-US" dirty="0" smtClean="0"/>
-              <a:t>Week 6</a:t>
-            </a:r>
             <a:endParaRPr lang="en-US" dirty="0"/>
           </a:p>
         </p:txBody>
@@ -3073,8 +3069,9 @@
           <a:p>
             <a:r>
               <a:rPr lang="en-US" dirty="0"/>
-              <a:t>2/8/16</a:t>
-            </a:r>
+              <a:t>2/8/16 – 2/22/16</a:t>
+            </a:r>
+            <a:endParaRPr lang="en-US" dirty="0"/>
           </a:p>
         </p:txBody>
       </p:sp>
@@ -3168,11 +3165,7 @@
             </a:r>
             <a:r>
               <a:rPr lang="en-US" dirty="0" smtClean="0"/>
-              <a:t>1 </a:t>
-            </a:r>
-            <a:r>
-              <a:rPr lang="en-US" dirty="0" smtClean="0"/>
-              <a:t>weeks/iterations</a:t>
+              <a:t>1 weeks/iterations</a:t>
             </a:r>
           </a:p>
           <a:p>
@@ -3184,8 +3177,8 @@
               <a:t>Priority: </a:t>
             </a:r>
             <a:r>
-              <a:rPr lang="en-US" dirty="0" smtClean="0"/>
-              <a:t>9</a:t>
+              <a:rPr lang="en-US" dirty="0"/>
+              <a:t>6</a:t>
             </a:r>
             <a:endParaRPr lang="en-US" dirty="0"/>
           </a:p>
@@ -3244,8 +3237,9 @@
           <a:p>
             <a:r>
               <a:rPr lang="en-US" dirty="0"/>
-              <a:t>2/8/16</a:t>
-            </a:r>
+              <a:t>2/8/16 – 2/22/16</a:t>
+            </a:r>
+            <a:endParaRPr lang="en-US" dirty="0"/>
           </a:p>
         </p:txBody>
       </p:sp>
@@ -3356,8 +3350,9 @@
             </a:r>
             <a:r>
               <a:rPr lang="en-US" dirty="0" smtClean="0"/>
-              <a:t>week/iteration</a:t>
-            </a:r>
+              <a:t>week/iteration ~ Stretch Goal</a:t>
+            </a:r>
+            <a:endParaRPr lang="en-US" dirty="0" smtClean="0"/>
           </a:p>
           <a:p>
             <a:pPr marL="0" indent="0">
@@ -3368,8 +3363,8 @@
               <a:t>Priority: </a:t>
             </a:r>
             <a:r>
-              <a:rPr lang="en-US" dirty="0" smtClean="0"/>
-              <a:t>10</a:t>
+              <a:rPr lang="en-US" dirty="0"/>
+              <a:t>7</a:t>
             </a:r>
             <a:endParaRPr lang="en-US" dirty="0"/>
           </a:p>
@@ -3433,8 +3428,8 @@
           <a:lstStyle/>
           <a:p>
             <a:r>
-              <a:rPr lang="en-US" dirty="0" smtClean="0"/>
-              <a:t>2/16/16</a:t>
+              <a:rPr lang="en-US" dirty="0"/>
+              <a:t>2/16/16 – 2/22/16</a:t>
             </a:r>
             <a:endParaRPr lang="en-US" dirty="0"/>
           </a:p>
@@ -3526,8 +3521,9 @@
             </a:r>
             <a:r>
               <a:rPr lang="en-US" dirty="0" smtClean="0"/>
-              <a:t>weeks/iterations</a:t>
-            </a:r>
+              <a:t>weeks/iterations ~ Stretch Goal</a:t>
+            </a:r>
+            <a:endParaRPr lang="en-US" dirty="0" smtClean="0"/>
           </a:p>
           <a:p>
             <a:pPr marL="0" indent="0">
@@ -3538,8 +3534,8 @@
               <a:t>Priority: </a:t>
             </a:r>
             <a:r>
-              <a:rPr lang="en-US" dirty="0" smtClean="0"/>
-              <a:t>11</a:t>
+              <a:rPr lang="en-US" dirty="0"/>
+              <a:t>8</a:t>
             </a:r>
             <a:endParaRPr lang="en-US" dirty="0"/>
           </a:p>
@@ -3606,8 +3602,8 @@
           <a:lstStyle/>
           <a:p>
             <a:r>
-              <a:rPr lang="en-US" dirty="0" smtClean="0"/>
-              <a:t>2/8/16</a:t>
+              <a:rPr lang="en-US" dirty="0"/>
+              <a:t>2/8/16 – 2/22/16</a:t>
             </a:r>
             <a:endParaRPr lang="en-US" dirty="0"/>
           </a:p>
@@ -3695,25 +3691,25 @@
             </a:pPr>
             <a:r>
               <a:rPr lang="en-US" dirty="0"/>
-              <a:t>Est. Time: 1</a:t>
-            </a:r>
-            <a:r>
-              <a:rPr lang="en-US" dirty="0" smtClean="0"/>
-              <a:t> </a:t>
-            </a:r>
-            <a:r>
-              <a:rPr lang="en-US" dirty="0" smtClean="0"/>
-              <a:t>week/iteration</a:t>
-            </a:r>
-            <a:endParaRPr lang="en-US" dirty="0"/>
-          </a:p>
-          <a:p>
-            <a:pPr marL="0" indent="0">
-              <a:buNone/>
-            </a:pPr>
-            <a:r>
-              <a:rPr lang="en-US" dirty="0" smtClean="0"/>
-              <a:t>Priority: 1</a:t>
+              <a:t>Est. Time: </a:t>
+            </a:r>
+            <a:r>
+              <a:rPr lang="en-US" dirty="0" smtClean="0"/>
+              <a:t>DONE</a:t>
+            </a:r>
+            <a:endParaRPr lang="en-US" dirty="0"/>
+          </a:p>
+          <a:p>
+            <a:pPr marL="0" indent="0">
+              <a:buNone/>
+            </a:pPr>
+            <a:r>
+              <a:rPr lang="en-US" dirty="0" smtClean="0"/>
+              <a:t>Priority: </a:t>
+            </a:r>
+            <a:r>
+              <a:rPr lang="en-US" dirty="0" smtClean="0"/>
+              <a:t>DONE</a:t>
             </a:r>
             <a:endParaRPr lang="en-US" dirty="0"/>
           </a:p>
@@ -3765,8 +3761,8 @@
           <a:lstStyle/>
           <a:p>
             <a:r>
-              <a:rPr lang="en-US" dirty="0" smtClean="0"/>
-              <a:t>2/8/16</a:t>
+              <a:rPr lang="en-US" dirty="0"/>
+              <a:t>2/8/16 – 2/22/16</a:t>
             </a:r>
             <a:endParaRPr lang="en-US" dirty="0"/>
           </a:p>
@@ -3785,7 +3781,7 @@
         <p:spPr/>
         <p:txBody>
           <a:bodyPr>
-            <a:normAutofit fontScale="92500" lnSpcReduction="10000"/>
+            <a:normAutofit fontScale="92500" lnSpcReduction="20000"/>
           </a:bodyPr>
           <a:lstStyle/>
           <a:p>
@@ -3793,69 +3789,65 @@
               <a:buNone/>
             </a:pPr>
             <a:r>
-              <a:rPr lang="en-US" dirty="0"/>
-              <a:t>As a … user interested in selling a service</a:t>
-            </a:r>
-          </a:p>
-          <a:p>
-            <a:pPr marL="0" indent="0">
-              <a:buNone/>
-            </a:pPr>
-            <a:r>
-              <a:rPr lang="en-US" dirty="0"/>
-              <a:t>I want … to be able to create a post detailing the service I have to </a:t>
-            </a:r>
-            <a:r>
-              <a:rPr lang="en-US" dirty="0" smtClean="0"/>
-              <a:t>			provide</a:t>
-            </a:r>
-            <a:endParaRPr lang="en-US" dirty="0"/>
-          </a:p>
-          <a:p>
-            <a:pPr marL="0" indent="0">
-              <a:buNone/>
-            </a:pPr>
-            <a:r>
-              <a:rPr lang="en-US" dirty="0"/>
-              <a:t>So that … I can add it to the timeline for other users to see.</a:t>
-            </a:r>
-          </a:p>
-          <a:p>
-            <a:pPr marL="0" indent="0">
-              <a:buNone/>
-            </a:pPr>
-            <a:endParaRPr lang="en-US" dirty="0"/>
-          </a:p>
-          <a:p>
-            <a:pPr marL="0" indent="0">
-              <a:buNone/>
-            </a:pPr>
-            <a:endParaRPr lang="en-US" dirty="0"/>
-          </a:p>
-          <a:p>
-            <a:pPr marL="0" indent="0">
-              <a:buNone/>
-            </a:pPr>
-            <a:endParaRPr lang="en-US" dirty="0"/>
-          </a:p>
-          <a:p>
-            <a:pPr marL="0" indent="0">
-              <a:buNone/>
-            </a:pPr>
-            <a:endParaRPr lang="en-US" dirty="0"/>
-          </a:p>
-          <a:p>
-            <a:pPr marL="0" indent="0">
-              <a:buNone/>
-            </a:pPr>
-            <a:r>
-              <a:rPr lang="en-US" dirty="0"/>
-              <a:t>Est. Time: 2 </a:t>
-            </a:r>
-            <a:r>
-              <a:rPr lang="en-US" dirty="0" smtClean="0"/>
-              <a:t>weeks/iterations</a:t>
-            </a:r>
+              <a:rPr lang="en-US" dirty="0" smtClean="0"/>
+              <a:t>As a … user</a:t>
+            </a:r>
+          </a:p>
+          <a:p>
+            <a:pPr marL="0" indent="0">
+              <a:buNone/>
+            </a:pPr>
+            <a:r>
+              <a:rPr lang="en-US" dirty="0" smtClean="0"/>
+              <a:t>I want … the option to be able to sign up for an account on this application 			using Facebook</a:t>
+            </a:r>
+          </a:p>
+          <a:p>
+            <a:pPr marL="0" indent="0">
+              <a:buNone/>
+            </a:pPr>
+            <a:r>
+              <a:rPr lang="en-US" dirty="0" smtClean="0"/>
+              <a:t>So that … I can avoid having to fill out my information for this applications 			signup process myself</a:t>
+            </a:r>
+          </a:p>
+          <a:p>
+            <a:pPr marL="0" indent="0">
+              <a:buNone/>
+            </a:pPr>
+            <a:endParaRPr lang="en-US" dirty="0" smtClean="0"/>
+          </a:p>
+          <a:p>
+            <a:pPr marL="0" indent="0">
+              <a:buNone/>
+            </a:pPr>
+            <a:endParaRPr lang="en-US" dirty="0" smtClean="0"/>
+          </a:p>
+          <a:p>
+            <a:pPr marL="0" indent="0">
+              <a:buNone/>
+            </a:pPr>
+            <a:endParaRPr lang="en-US" dirty="0" smtClean="0"/>
+          </a:p>
+          <a:p>
+            <a:pPr marL="0" indent="0">
+              <a:buNone/>
+            </a:pPr>
+            <a:endParaRPr lang="en-US" dirty="0" smtClean="0"/>
+          </a:p>
+          <a:p>
+            <a:pPr marL="0" indent="0">
+              <a:buNone/>
+            </a:pPr>
+            <a:r>
+              <a:rPr lang="en-US" dirty="0" smtClean="0"/>
+              <a:t>Est. Time: </a:t>
+            </a:r>
+            <a:r>
+              <a:rPr lang="en-US" dirty="0" smtClean="0"/>
+              <a:t>DONE</a:t>
+            </a:r>
+            <a:endParaRPr lang="en-US" dirty="0" smtClean="0"/>
           </a:p>
           <a:p>
             <a:pPr marL="0" indent="0">
@@ -3867,23 +3859,14 @@
             </a:r>
             <a:r>
               <a:rPr lang="en-US" dirty="0" smtClean="0"/>
-              <a:t>2</a:t>
-            </a:r>
-            <a:endParaRPr lang="en-US" dirty="0"/>
-          </a:p>
-          <a:p>
-            <a:pPr marL="0" indent="0">
-              <a:buNone/>
-            </a:pPr>
-            <a:endParaRPr lang="en-US" dirty="0"/>
-          </a:p>
-          <a:p>
-            <a:pPr marL="0" indent="0">
-              <a:buNone/>
-            </a:pPr>
-            <a:endParaRPr lang="en-US" dirty="0"/>
-          </a:p>
-          <a:p>
+              <a:t>DONE</a:t>
+            </a:r>
+            <a:endParaRPr lang="en-US" dirty="0" smtClean="0"/>
+          </a:p>
+          <a:p>
+            <a:pPr marL="0" indent="0">
+              <a:buNone/>
+            </a:pPr>
             <a:endParaRPr lang="en-US" dirty="0"/>
           </a:p>
         </p:txBody>
@@ -3891,7 +3874,7 @@
     </p:spTree>
     <p:extLst>
       <p:ext uri="{BB962C8B-B14F-4D97-AF65-F5344CB8AC3E}">
-        <p14:creationId xmlns:p14="http://schemas.microsoft.com/office/powerpoint/2010/main" val="1102520059"/>
+        <p14:creationId xmlns:p14="http://schemas.microsoft.com/office/powerpoint/2010/main" val="984729293"/>
       </p:ext>
     </p:extLst>
   </p:cSld>
@@ -3934,9 +3917,10 @@
           <a:lstStyle/>
           <a:p>
             <a:r>
-              <a:rPr lang="en-US" dirty="0"/>
-              <a:t>2/8/16</a:t>
-            </a:r>
+              <a:rPr lang="en-US" dirty="0" smtClean="0"/>
+              <a:t>2/8/16 – 2/22/16</a:t>
+            </a:r>
+            <a:endParaRPr lang="en-US" dirty="0"/>
           </a:p>
         </p:txBody>
       </p:sp>
@@ -3961,87 +3945,106 @@
               <a:buNone/>
             </a:pPr>
             <a:r>
-              <a:rPr lang="en-US" dirty="0" smtClean="0"/>
-              <a:t>As a … signed in user</a:t>
-            </a:r>
-          </a:p>
-          <a:p>
-            <a:pPr marL="0" indent="0">
-              <a:buNone/>
-            </a:pPr>
-            <a:r>
-              <a:rPr lang="en-US" dirty="0" smtClean="0"/>
-              <a:t>I want … to be brought to a newsfeed of posts about services for sale</a:t>
-            </a:r>
-          </a:p>
-          <a:p>
-            <a:pPr marL="0" indent="0">
-              <a:buNone/>
-            </a:pPr>
-            <a:r>
-              <a:rPr lang="en-US" dirty="0" smtClean="0"/>
-              <a:t>So that … I can scroll through services to find one that I am looking to 			purchase.</a:t>
-            </a:r>
-          </a:p>
-          <a:p>
-            <a:pPr marL="0" indent="0">
-              <a:buNone/>
-            </a:pPr>
-            <a:endParaRPr lang="en-US" dirty="0"/>
-          </a:p>
-          <a:p>
-            <a:pPr marL="0" indent="0">
-              <a:buNone/>
-            </a:pPr>
+              <a:rPr lang="en-US" dirty="0"/>
+              <a:t>As a … user interested in selling a service</a:t>
+            </a:r>
+          </a:p>
+          <a:p>
+            <a:pPr marL="0" indent="0">
+              <a:buNone/>
+            </a:pPr>
+            <a:r>
+              <a:rPr lang="en-US" dirty="0"/>
+              <a:t>I want … to be able to create a post detailing the service I have to </a:t>
+            </a:r>
+            <a:r>
+              <a:rPr lang="en-US" dirty="0" smtClean="0"/>
+              <a:t>			provide</a:t>
+            </a:r>
+            <a:endParaRPr lang="en-US" dirty="0"/>
+          </a:p>
+          <a:p>
+            <a:pPr marL="0" indent="0">
+              <a:buNone/>
+            </a:pPr>
+            <a:r>
+              <a:rPr lang="en-US" dirty="0"/>
+              <a:t>So that … I can add it to the timeline for other users to see.</a:t>
+            </a:r>
+          </a:p>
+          <a:p>
+            <a:pPr marL="0" indent="0">
+              <a:buNone/>
+            </a:pPr>
+            <a:endParaRPr lang="en-US" dirty="0"/>
+          </a:p>
+          <a:p>
+            <a:pPr marL="0" indent="0">
+              <a:buNone/>
+            </a:pPr>
+            <a:endParaRPr lang="en-US" dirty="0"/>
+          </a:p>
+          <a:p>
+            <a:pPr marL="0" indent="0">
+              <a:buNone/>
+            </a:pPr>
+            <a:endParaRPr lang="en-US" dirty="0"/>
+          </a:p>
+          <a:p>
+            <a:pPr marL="0" indent="0">
+              <a:buNone/>
+            </a:pPr>
+            <a:endParaRPr lang="en-US" dirty="0"/>
+          </a:p>
+          <a:p>
+            <a:pPr marL="0" indent="0">
+              <a:buNone/>
+            </a:pPr>
+            <a:r>
+              <a:rPr lang="en-US" dirty="0"/>
+              <a:t>Est. Time: </a:t>
+            </a:r>
+            <a:r>
+              <a:rPr lang="en-US" dirty="0" smtClean="0"/>
+              <a:t>DONE</a:t>
+            </a:r>
             <a:endParaRPr lang="en-US" dirty="0" smtClean="0"/>
           </a:p>
           <a:p>
             <a:pPr marL="0" indent="0">
               <a:buNone/>
             </a:pPr>
-            <a:endParaRPr lang="en-US" dirty="0" smtClean="0"/>
-          </a:p>
-          <a:p>
-            <a:pPr marL="0" indent="0">
-              <a:buNone/>
-            </a:pPr>
-            <a:endParaRPr lang="en-US" dirty="0"/>
-          </a:p>
-          <a:p>
-            <a:pPr marL="0" indent="0">
-              <a:buNone/>
-            </a:pPr>
-            <a:r>
-              <a:rPr lang="en-US" dirty="0" smtClean="0"/>
-              <a:t>Est. Time: 2 </a:t>
-            </a:r>
-            <a:r>
-              <a:rPr lang="en-US" dirty="0" smtClean="0"/>
-              <a:t>weeks/iterations</a:t>
-            </a:r>
-            <a:endParaRPr lang="en-US" dirty="0"/>
-          </a:p>
-          <a:p>
-            <a:pPr marL="0" indent="0">
-              <a:buNone/>
-            </a:pPr>
-            <a:r>
-              <a:rPr lang="en-US" dirty="0"/>
-              <a:t>Priority: 3</a:t>
-            </a:r>
-          </a:p>
-          <a:p>
-            <a:pPr marL="0" indent="0">
-              <a:buNone/>
-            </a:pPr>
-            <a:endParaRPr lang="en-US" dirty="0" smtClean="0"/>
+            <a:r>
+              <a:rPr lang="en-US" dirty="0"/>
+              <a:t>Priority: </a:t>
+            </a:r>
+            <a:r>
+              <a:rPr lang="en-US" dirty="0" smtClean="0"/>
+              <a:t>DONE</a:t>
+            </a:r>
+            <a:endParaRPr lang="en-US" dirty="0"/>
+          </a:p>
+          <a:p>
+            <a:pPr marL="0" indent="0">
+              <a:buNone/>
+            </a:pPr>
+            <a:endParaRPr lang="en-US" dirty="0"/>
+          </a:p>
+          <a:p>
+            <a:pPr marL="0" indent="0">
+              <a:buNone/>
+            </a:pPr>
+            <a:endParaRPr lang="en-US" dirty="0"/>
+          </a:p>
+          <a:p>
+            <a:endParaRPr lang="en-US" dirty="0"/>
           </a:p>
         </p:txBody>
       </p:sp>
     </p:spTree>
     <p:extLst>
       <p:ext uri="{BB962C8B-B14F-4D97-AF65-F5344CB8AC3E}">
-        <p14:creationId xmlns:p14="http://schemas.microsoft.com/office/powerpoint/2010/main" val="1988169867"/>
+        <p14:creationId xmlns:p14="http://schemas.microsoft.com/office/powerpoint/2010/main" val="1102520059"/>
       </p:ext>
     </p:extLst>
   </p:cSld>
@@ -4085,8 +4088,9 @@
           <a:p>
             <a:r>
               <a:rPr lang="en-US" dirty="0"/>
-              <a:t>2/8/16</a:t>
-            </a:r>
+              <a:t>2/8/16 – 2/22/16</a:t>
+            </a:r>
+            <a:endParaRPr lang="en-US" dirty="0"/>
           </a:p>
         </p:txBody>
       </p:sp>
@@ -4103,7 +4107,7 @@
         <p:spPr/>
         <p:txBody>
           <a:bodyPr>
-            <a:normAutofit lnSpcReduction="10000"/>
+            <a:normAutofit fontScale="92500" lnSpcReduction="10000"/>
           </a:bodyPr>
           <a:lstStyle/>
           <a:p>
@@ -4112,26 +4116,32 @@
             </a:pPr>
             <a:r>
               <a:rPr lang="en-US" dirty="0" smtClean="0"/>
-              <a:t>As a … user who is interested in a posted service for sale</a:t>
-            </a:r>
-          </a:p>
-          <a:p>
-            <a:pPr marL="0" indent="0">
-              <a:buNone/>
-            </a:pPr>
-            <a:r>
-              <a:rPr lang="en-US" dirty="0" smtClean="0"/>
-              <a:t>I want … to be able to click on this post from the timeline</a:t>
-            </a:r>
-          </a:p>
-          <a:p>
-            <a:pPr marL="0" indent="0">
-              <a:buNone/>
-            </a:pPr>
-            <a:r>
-              <a:rPr lang="en-US" dirty="0" smtClean="0"/>
-              <a:t>So that … I can see a more detailed description of the service for sale.</a:t>
-            </a:r>
+              <a:t>As a … signed in user</a:t>
+            </a:r>
+          </a:p>
+          <a:p>
+            <a:pPr marL="0" indent="0">
+              <a:buNone/>
+            </a:pPr>
+            <a:r>
+              <a:rPr lang="en-US" dirty="0" smtClean="0"/>
+              <a:t>I want … to be brought to a newsfeed of posts about services for sale</a:t>
+            </a:r>
+          </a:p>
+          <a:p>
+            <a:pPr marL="0" indent="0">
+              <a:buNone/>
+            </a:pPr>
+            <a:r>
+              <a:rPr lang="en-US" dirty="0" smtClean="0"/>
+              <a:t>So that … I can scroll through services to find one that I am looking to 			purchase.</a:t>
+            </a:r>
+          </a:p>
+          <a:p>
+            <a:pPr marL="0" indent="0">
+              <a:buNone/>
+            </a:pPr>
+            <a:endParaRPr lang="en-US" dirty="0"/>
           </a:p>
           <a:p>
             <a:pPr marL="0" indent="0">
@@ -4149,59 +4159,52 @@
             <a:pPr marL="0" indent="0">
               <a:buNone/>
             </a:pPr>
+            <a:endParaRPr lang="en-US" dirty="0"/>
+          </a:p>
+          <a:p>
+            <a:pPr marL="0" indent="0">
+              <a:buNone/>
+            </a:pPr>
+            <a:r>
+              <a:rPr lang="en-US" dirty="0" smtClean="0"/>
+              <a:t>Est. Time: </a:t>
+            </a:r>
+            <a:r>
+              <a:rPr lang="en-US" dirty="0" smtClean="0"/>
+              <a:t>1 </a:t>
+            </a:r>
+            <a:r>
+              <a:rPr lang="en-US" dirty="0" smtClean="0"/>
+              <a:t>weeks/iterations</a:t>
+            </a:r>
+            <a:endParaRPr lang="en-US" dirty="0"/>
+          </a:p>
+          <a:p>
+            <a:pPr marL="0" indent="0">
+              <a:buNone/>
+            </a:pPr>
+            <a:r>
+              <a:rPr lang="en-US" dirty="0"/>
+              <a:t>Priority: </a:t>
+            </a:r>
+            <a:r>
+              <a:rPr lang="en-US" dirty="0" smtClean="0"/>
+              <a:t>1</a:t>
+            </a:r>
+            <a:endParaRPr lang="en-US" dirty="0"/>
+          </a:p>
+          <a:p>
+            <a:pPr marL="0" indent="0">
+              <a:buNone/>
+            </a:pPr>
             <a:endParaRPr lang="en-US" dirty="0" smtClean="0"/>
-          </a:p>
-          <a:p>
-            <a:pPr marL="0" indent="0">
-              <a:buNone/>
-            </a:pPr>
-            <a:endParaRPr lang="en-US" dirty="0" smtClean="0"/>
-          </a:p>
-          <a:p>
-            <a:pPr marL="0" indent="0">
-              <a:buNone/>
-            </a:pPr>
-            <a:r>
-              <a:rPr lang="en-US" dirty="0" smtClean="0"/>
-              <a:t>Est. Time: 1 </a:t>
-            </a:r>
-            <a:r>
-              <a:rPr lang="en-US" dirty="0" smtClean="0"/>
-              <a:t>week/iteration</a:t>
-            </a:r>
-          </a:p>
-          <a:p>
-            <a:pPr marL="0" indent="0">
-              <a:buNone/>
-            </a:pPr>
-            <a:r>
-              <a:rPr lang="en-US" dirty="0"/>
-              <a:t>Priority: </a:t>
-            </a:r>
-            <a:r>
-              <a:rPr lang="en-US" dirty="0" smtClean="0"/>
-              <a:t>4</a:t>
-            </a:r>
-            <a:endParaRPr lang="en-US" dirty="0"/>
-          </a:p>
-          <a:p>
-            <a:pPr marL="0" indent="0">
-              <a:buNone/>
-            </a:pPr>
-            <a:endParaRPr lang="en-US" dirty="0" smtClean="0"/>
-          </a:p>
-          <a:p>
-            <a:pPr marL="0" indent="0">
-              <a:buNone/>
-            </a:pPr>
-            <a:endParaRPr lang="en-US" dirty="0"/>
           </a:p>
         </p:txBody>
       </p:sp>
     </p:spTree>
     <p:extLst>
       <p:ext uri="{BB962C8B-B14F-4D97-AF65-F5344CB8AC3E}">
-        <p14:creationId xmlns:p14="http://schemas.microsoft.com/office/powerpoint/2010/main" val="3258834529"/>
+        <p14:creationId xmlns:p14="http://schemas.microsoft.com/office/powerpoint/2010/main" val="1988169867"/>
       </p:ext>
     </p:extLst>
   </p:cSld>
@@ -4245,8 +4248,9 @@
           <a:p>
             <a:r>
               <a:rPr lang="en-US" dirty="0"/>
-              <a:t>2/8/16</a:t>
-            </a:r>
+              <a:t>2/8/16 – 2/22/16</a:t>
+            </a:r>
+            <a:endParaRPr lang="en-US" dirty="0"/>
           </a:p>
         </p:txBody>
       </p:sp>
@@ -4271,90 +4275,80 @@
               <a:buNone/>
             </a:pPr>
             <a:r>
-              <a:rPr lang="en-US" dirty="0"/>
-              <a:t>As a … signed in user</a:t>
-            </a:r>
-          </a:p>
-          <a:p>
-            <a:pPr marL="0" indent="0">
-              <a:buNone/>
-            </a:pPr>
-            <a:r>
-              <a:rPr lang="en-US" dirty="0"/>
-              <a:t>I want … </a:t>
-            </a:r>
-            <a:r>
-              <a:rPr lang="en-US" dirty="0" smtClean="0"/>
-              <a:t>a menu that slides out from the side of the current page</a:t>
-            </a:r>
-          </a:p>
-          <a:p>
-            <a:pPr marL="0" indent="0">
-              <a:buNone/>
-            </a:pPr>
-            <a:r>
-              <a:rPr lang="en-US" dirty="0" smtClean="0"/>
-              <a:t>So </a:t>
-            </a:r>
-            <a:r>
-              <a:rPr lang="en-US" dirty="0"/>
-              <a:t>that … I </a:t>
-            </a:r>
-            <a:r>
-              <a:rPr lang="en-US" dirty="0" smtClean="0"/>
-              <a:t>can navigate between pages of the application.</a:t>
-            </a:r>
-            <a:endParaRPr lang="en-US" dirty="0"/>
-          </a:p>
-          <a:p>
-            <a:pPr marL="0" indent="0">
-              <a:buNone/>
-            </a:pPr>
-            <a:endParaRPr lang="en-US" dirty="0"/>
-          </a:p>
-          <a:p>
-            <a:pPr marL="0" indent="0">
-              <a:buNone/>
-            </a:pPr>
-            <a:endParaRPr lang="en-US" dirty="0"/>
-          </a:p>
-          <a:p>
-            <a:pPr marL="0" indent="0">
-              <a:buNone/>
-            </a:pPr>
-            <a:endParaRPr lang="en-US" dirty="0"/>
-          </a:p>
-          <a:p>
-            <a:pPr marL="0" indent="0">
-              <a:buNone/>
-            </a:pPr>
-            <a:endParaRPr lang="en-US" dirty="0"/>
-          </a:p>
-          <a:p>
-            <a:pPr marL="0" indent="0">
-              <a:buNone/>
-            </a:pPr>
-            <a:r>
-              <a:rPr lang="en-US" dirty="0"/>
-              <a:t>Est. Time: 2</a:t>
-            </a:r>
-            <a:r>
-              <a:rPr lang="en-US" dirty="0" smtClean="0"/>
-              <a:t> </a:t>
-            </a:r>
-            <a:r>
-              <a:rPr lang="en-US" dirty="0" smtClean="0"/>
-              <a:t>weeks/iterations</a:t>
-            </a:r>
-          </a:p>
-          <a:p>
-            <a:pPr marL="0" indent="0">
-              <a:buNone/>
-            </a:pPr>
-            <a:r>
-              <a:rPr lang="en-US" dirty="0"/>
-              <a:t>Priority: 5</a:t>
-            </a:r>
+              <a:rPr lang="en-US" dirty="0" smtClean="0"/>
+              <a:t>As a … user who is interested in a posted service for sale</a:t>
+            </a:r>
+          </a:p>
+          <a:p>
+            <a:pPr marL="0" indent="0">
+              <a:buNone/>
+            </a:pPr>
+            <a:r>
+              <a:rPr lang="en-US" dirty="0" smtClean="0"/>
+              <a:t>I want … to be able to click on this post from the timeline</a:t>
+            </a:r>
+          </a:p>
+          <a:p>
+            <a:pPr marL="0" indent="0">
+              <a:buNone/>
+            </a:pPr>
+            <a:r>
+              <a:rPr lang="en-US" dirty="0" smtClean="0"/>
+              <a:t>So that … I can see a more detailed description of the service for sale.</a:t>
+            </a:r>
+          </a:p>
+          <a:p>
+            <a:pPr marL="0" indent="0">
+              <a:buNone/>
+            </a:pPr>
+            <a:endParaRPr lang="en-US" dirty="0" smtClean="0"/>
+          </a:p>
+          <a:p>
+            <a:pPr marL="0" indent="0">
+              <a:buNone/>
+            </a:pPr>
+            <a:endParaRPr lang="en-US" dirty="0" smtClean="0"/>
+          </a:p>
+          <a:p>
+            <a:pPr marL="0" indent="0">
+              <a:buNone/>
+            </a:pPr>
+            <a:endParaRPr lang="en-US" dirty="0" smtClean="0"/>
+          </a:p>
+          <a:p>
+            <a:pPr marL="0" indent="0">
+              <a:buNone/>
+            </a:pPr>
+            <a:endParaRPr lang="en-US" dirty="0" smtClean="0"/>
+          </a:p>
+          <a:p>
+            <a:pPr marL="0" indent="0">
+              <a:buNone/>
+            </a:pPr>
+            <a:r>
+              <a:rPr lang="en-US" dirty="0" smtClean="0"/>
+              <a:t>Est. Time: 1 week/iteration</a:t>
+            </a:r>
+          </a:p>
+          <a:p>
+            <a:pPr marL="0" indent="0">
+              <a:buNone/>
+            </a:pPr>
+            <a:r>
+              <a:rPr lang="en-US" dirty="0"/>
+              <a:t>Priority: </a:t>
+            </a:r>
+            <a:r>
+              <a:rPr lang="en-US" dirty="0"/>
+              <a:t>2</a:t>
+            </a:r>
+            <a:endParaRPr lang="en-US" dirty="0"/>
+          </a:p>
+          <a:p>
+            <a:pPr marL="0" indent="0">
+              <a:buNone/>
+            </a:pPr>
+            <a:endParaRPr lang="en-US" dirty="0" smtClean="0"/>
           </a:p>
           <a:p>
             <a:pPr marL="0" indent="0">
@@ -4367,7 +4361,7 @@
     </p:spTree>
     <p:extLst>
       <p:ext uri="{BB962C8B-B14F-4D97-AF65-F5344CB8AC3E}">
-        <p14:creationId xmlns:p14="http://schemas.microsoft.com/office/powerpoint/2010/main" val="2393952817"/>
+        <p14:creationId xmlns:p14="http://schemas.microsoft.com/office/powerpoint/2010/main" val="3258834529"/>
       </p:ext>
     </p:extLst>
   </p:cSld>
@@ -4411,8 +4405,9 @@
           <a:p>
             <a:r>
               <a:rPr lang="en-US" dirty="0"/>
-              <a:t>2/8/16</a:t>
-            </a:r>
+              <a:t>2/8/16 – 2/22/16</a:t>
+            </a:r>
+            <a:endParaRPr lang="en-US" dirty="0"/>
           </a:p>
         </p:txBody>
       </p:sp>
@@ -4438,68 +4433,79 @@
             </a:pPr>
             <a:r>
               <a:rPr lang="en-US" dirty="0"/>
-              <a:t>As a … user who is interested in a posted service for sale</a:t>
-            </a:r>
-          </a:p>
-          <a:p>
-            <a:pPr marL="0" indent="0">
-              <a:buNone/>
-            </a:pPr>
-            <a:r>
-              <a:rPr lang="en-US" dirty="0"/>
-              <a:t>I want … to be able to </a:t>
-            </a:r>
-            <a:r>
-              <a:rPr lang="en-US" dirty="0" smtClean="0"/>
-              <a:t>search a set of posts using a key word</a:t>
-            </a:r>
-            <a:endParaRPr lang="en-US" dirty="0"/>
-          </a:p>
-          <a:p>
-            <a:pPr marL="0" indent="0">
-              <a:buNone/>
-            </a:pPr>
-            <a:r>
-              <a:rPr lang="en-US" dirty="0"/>
-              <a:t>So that … I can </a:t>
-            </a:r>
-            <a:r>
-              <a:rPr lang="en-US" dirty="0" smtClean="0"/>
-              <a:t>see the list of posts that are relevant to my search</a:t>
-            </a:r>
-            <a:endParaRPr lang="en-US" dirty="0"/>
-          </a:p>
-          <a:p>
-            <a:pPr marL="0" indent="0">
-              <a:buNone/>
-            </a:pPr>
-            <a:endParaRPr lang="en-US" dirty="0"/>
-          </a:p>
-          <a:p>
-            <a:pPr marL="0" indent="0">
-              <a:buNone/>
-            </a:pPr>
-            <a:endParaRPr lang="en-US" dirty="0"/>
-          </a:p>
-          <a:p>
-            <a:pPr marL="0" indent="0">
-              <a:buNone/>
-            </a:pPr>
-            <a:endParaRPr lang="en-US" dirty="0"/>
-          </a:p>
-          <a:p>
-            <a:pPr marL="0" indent="0">
-              <a:buNone/>
-            </a:pPr>
-            <a:endParaRPr lang="en-US" dirty="0"/>
-          </a:p>
-          <a:p>
-            <a:pPr marL="0" indent="0">
-              <a:buNone/>
-            </a:pPr>
-            <a:r>
-              <a:rPr lang="en-US" dirty="0"/>
-              <a:t>Est. Time: 2 </a:t>
+              <a:t>As a … signed in user</a:t>
+            </a:r>
+          </a:p>
+          <a:p>
+            <a:pPr marL="0" indent="0">
+              <a:buNone/>
+            </a:pPr>
+            <a:r>
+              <a:rPr lang="en-US" dirty="0"/>
+              <a:t>I want … </a:t>
+            </a:r>
+            <a:r>
+              <a:rPr lang="en-US" dirty="0" smtClean="0"/>
+              <a:t>a menu that slides out from the side of the current page</a:t>
+            </a:r>
+          </a:p>
+          <a:p>
+            <a:pPr marL="0" indent="0">
+              <a:buNone/>
+            </a:pPr>
+            <a:r>
+              <a:rPr lang="en-US" dirty="0" smtClean="0"/>
+              <a:t>So </a:t>
+            </a:r>
+            <a:r>
+              <a:rPr lang="en-US" dirty="0"/>
+              <a:t>that … I </a:t>
+            </a:r>
+            <a:r>
+              <a:rPr lang="en-US" dirty="0" smtClean="0"/>
+              <a:t>can navigate between pages of the application.</a:t>
+            </a:r>
+            <a:endParaRPr lang="en-US" dirty="0"/>
+          </a:p>
+          <a:p>
+            <a:pPr marL="0" indent="0">
+              <a:buNone/>
+            </a:pPr>
+            <a:endParaRPr lang="en-US" dirty="0"/>
+          </a:p>
+          <a:p>
+            <a:pPr marL="0" indent="0">
+              <a:buNone/>
+            </a:pPr>
+            <a:endParaRPr lang="en-US" dirty="0"/>
+          </a:p>
+          <a:p>
+            <a:pPr marL="0" indent="0">
+              <a:buNone/>
+            </a:pPr>
+            <a:endParaRPr lang="en-US" dirty="0"/>
+          </a:p>
+          <a:p>
+            <a:pPr marL="0" indent="0">
+              <a:buNone/>
+            </a:pPr>
+            <a:endParaRPr lang="en-US" dirty="0"/>
+          </a:p>
+          <a:p>
+            <a:pPr marL="0" indent="0">
+              <a:buNone/>
+            </a:pPr>
+            <a:r>
+              <a:rPr lang="en-US" dirty="0"/>
+              <a:t>Est. Time: </a:t>
+            </a:r>
+            <a:r>
+              <a:rPr lang="en-US" dirty="0"/>
+              <a:t>2</a:t>
+            </a:r>
+            <a:r>
+              <a:rPr lang="en-US" dirty="0" smtClean="0"/>
+              <a:t> </a:t>
             </a:r>
             <a:r>
               <a:rPr lang="en-US" dirty="0" smtClean="0"/>
@@ -4516,14 +4522,8 @@
             </a:r>
             <a:r>
               <a:rPr lang="en-US" dirty="0" smtClean="0"/>
-              <a:t>6</a:t>
-            </a:r>
-            <a:endParaRPr lang="en-US" dirty="0"/>
-          </a:p>
-          <a:p>
-            <a:pPr marL="0" indent="0">
-              <a:buNone/>
-            </a:pPr>
+              <a:t>3</a:t>
+            </a:r>
             <a:endParaRPr lang="en-US" dirty="0"/>
           </a:p>
           <a:p>
@@ -4537,7 +4537,7 @@
     </p:spTree>
     <p:extLst>
       <p:ext uri="{BB962C8B-B14F-4D97-AF65-F5344CB8AC3E}">
-        <p14:creationId xmlns:p14="http://schemas.microsoft.com/office/powerpoint/2010/main" val="858522789"/>
+        <p14:creationId xmlns:p14="http://schemas.microsoft.com/office/powerpoint/2010/main" val="2393952817"/>
       </p:ext>
     </p:extLst>
   </p:cSld>
@@ -4581,8 +4581,9 @@
           <a:p>
             <a:r>
               <a:rPr lang="en-US" dirty="0"/>
-              <a:t>2/8/16</a:t>
-            </a:r>
+              <a:t>2/8/16 – 2/22/16</a:t>
+            </a:r>
+            <a:endParaRPr lang="en-US" dirty="0"/>
           </a:p>
         </p:txBody>
       </p:sp>
@@ -4617,8 +4618,13 @@
             </a:pPr>
             <a:r>
               <a:rPr lang="en-US" dirty="0" smtClean="0"/>
-              <a:t>I want … to be able to be able to message the owner of that post </a:t>
-            </a:r>
+              <a:t>I want … to be able to </a:t>
+            </a:r>
+            <a:r>
+              <a:rPr lang="en-US" dirty="0" smtClean="0"/>
+              <a:t>see the phone number for the owner of that post</a:t>
+            </a:r>
+            <a:endParaRPr lang="en-US" dirty="0" smtClean="0"/>
           </a:p>
           <a:p>
             <a:pPr marL="0" indent="0">
@@ -4659,12 +4665,13 @@
             </a:pPr>
             <a:r>
               <a:rPr lang="en-US" dirty="0" smtClean="0"/>
-              <a:t>Est. Time: 2 </a:t>
-            </a:r>
-            <a:r>
-              <a:rPr lang="en-US" dirty="0" smtClean="0"/>
-              <a:t>weeks/iterations</a:t>
-            </a:r>
+              <a:t>Est. Time: </a:t>
+            </a:r>
+            <a:r>
+              <a:rPr lang="en-US" dirty="0" smtClean="0"/>
+              <a:t>1 day</a:t>
+            </a:r>
+            <a:endParaRPr lang="en-US" dirty="0" smtClean="0"/>
           </a:p>
           <a:p>
             <a:pPr marL="0" indent="0">
@@ -4676,7 +4683,7 @@
             </a:r>
             <a:r>
               <a:rPr lang="en-US" dirty="0" smtClean="0"/>
-              <a:t>7</a:t>
+              <a:t>4</a:t>
             </a:r>
             <a:endParaRPr lang="en-US" dirty="0"/>
           </a:p>
@@ -4741,8 +4748,9 @@
           <a:p>
             <a:r>
               <a:rPr lang="en-US" dirty="0"/>
-              <a:t>2/8/16</a:t>
-            </a:r>
+              <a:t>2/8/16 – 2/22/16</a:t>
+            </a:r>
+            <a:endParaRPr lang="en-US" dirty="0"/>
           </a:p>
         </p:txBody>
       </p:sp>
@@ -4759,7 +4767,7 @@
         <p:spPr/>
         <p:txBody>
           <a:bodyPr>
-            <a:normAutofit fontScale="92500" lnSpcReduction="20000"/>
+            <a:normAutofit lnSpcReduction="10000"/>
           </a:bodyPr>
           <a:lstStyle/>
           <a:p>
@@ -4767,82 +4775,95 @@
               <a:buNone/>
             </a:pPr>
             <a:r>
-              <a:rPr lang="en-US" dirty="0" smtClean="0"/>
-              <a:t>As a … user</a:t>
-            </a:r>
-          </a:p>
-          <a:p>
-            <a:pPr marL="0" indent="0">
-              <a:buNone/>
-            </a:pPr>
-            <a:r>
-              <a:rPr lang="en-US" dirty="0" smtClean="0"/>
-              <a:t>I want … the option to be able to sign up for an account on this application 			using Facebook</a:t>
-            </a:r>
-          </a:p>
-          <a:p>
-            <a:pPr marL="0" indent="0">
-              <a:buNone/>
-            </a:pPr>
-            <a:r>
-              <a:rPr lang="en-US" dirty="0" smtClean="0"/>
-              <a:t>So that … I can avoid having to fill out my information for this applications 			signup process myself</a:t>
-            </a:r>
-          </a:p>
-          <a:p>
-            <a:pPr marL="0" indent="0">
-              <a:buNone/>
-            </a:pPr>
+              <a:rPr lang="en-US" dirty="0"/>
+              <a:t>As a … user who is interested in a posted service for sale</a:t>
+            </a:r>
+          </a:p>
+          <a:p>
+            <a:pPr marL="0" indent="0">
+              <a:buNone/>
+            </a:pPr>
+            <a:r>
+              <a:rPr lang="en-US" dirty="0"/>
+              <a:t>I want … to be able to </a:t>
+            </a:r>
+            <a:r>
+              <a:rPr lang="en-US" dirty="0" smtClean="0"/>
+              <a:t>search a set of posts using a key word</a:t>
+            </a:r>
+            <a:endParaRPr lang="en-US" dirty="0"/>
+          </a:p>
+          <a:p>
+            <a:pPr marL="0" indent="0">
+              <a:buNone/>
+            </a:pPr>
+            <a:r>
+              <a:rPr lang="en-US" dirty="0"/>
+              <a:t>So that … I can </a:t>
+            </a:r>
+            <a:r>
+              <a:rPr lang="en-US" dirty="0" smtClean="0"/>
+              <a:t>see the list of posts that are relevant to my search</a:t>
+            </a:r>
+            <a:endParaRPr lang="en-US" dirty="0"/>
+          </a:p>
+          <a:p>
+            <a:pPr marL="0" indent="0">
+              <a:buNone/>
+            </a:pPr>
+            <a:endParaRPr lang="en-US" dirty="0"/>
+          </a:p>
+          <a:p>
+            <a:pPr marL="0" indent="0">
+              <a:buNone/>
+            </a:pPr>
+            <a:endParaRPr lang="en-US" dirty="0"/>
+          </a:p>
+          <a:p>
+            <a:pPr marL="0" indent="0">
+              <a:buNone/>
+            </a:pPr>
+            <a:endParaRPr lang="en-US" dirty="0"/>
+          </a:p>
+          <a:p>
+            <a:pPr marL="0" indent="0">
+              <a:buNone/>
+            </a:pPr>
+            <a:endParaRPr lang="en-US" dirty="0"/>
+          </a:p>
+          <a:p>
+            <a:pPr marL="0" indent="0">
+              <a:buNone/>
+            </a:pPr>
+            <a:r>
+              <a:rPr lang="en-US" dirty="0"/>
+              <a:t>Est. Time: </a:t>
+            </a:r>
+            <a:r>
+              <a:rPr lang="en-US" dirty="0" smtClean="0"/>
+              <a:t>1 weeks/iterations ~ stretch goal</a:t>
+            </a:r>
             <a:endParaRPr lang="en-US" dirty="0" smtClean="0"/>
           </a:p>
           <a:p>
             <a:pPr marL="0" indent="0">
               <a:buNone/>
             </a:pPr>
-            <a:endParaRPr lang="en-US" dirty="0" smtClean="0"/>
-          </a:p>
-          <a:p>
-            <a:pPr marL="0" indent="0">
-              <a:buNone/>
-            </a:pPr>
-            <a:endParaRPr lang="en-US" dirty="0" smtClean="0"/>
-          </a:p>
-          <a:p>
-            <a:pPr marL="0" indent="0">
-              <a:buNone/>
-            </a:pPr>
-            <a:endParaRPr lang="en-US" dirty="0" smtClean="0"/>
-          </a:p>
-          <a:p>
-            <a:pPr marL="0" indent="0">
-              <a:buNone/>
-            </a:pPr>
-            <a:r>
-              <a:rPr lang="en-US" dirty="0" smtClean="0"/>
-              <a:t>Est. Time: </a:t>
-            </a:r>
-            <a:r>
-              <a:rPr lang="en-US" dirty="0"/>
-              <a:t>3</a:t>
-            </a:r>
-            <a:r>
-              <a:rPr lang="en-US" dirty="0" smtClean="0"/>
-              <a:t> </a:t>
-            </a:r>
-            <a:r>
-              <a:rPr lang="en-US" dirty="0" smtClean="0"/>
-              <a:t>weeks/iterations</a:t>
-            </a:r>
-          </a:p>
-          <a:p>
-            <a:pPr marL="0" indent="0">
-              <a:buNone/>
-            </a:pPr>
-            <a:r>
-              <a:rPr lang="en-US" dirty="0"/>
-              <a:t>Priority: 8</a:t>
-            </a:r>
-            <a:endParaRPr lang="en-US" dirty="0" smtClean="0"/>
+            <a:r>
+              <a:rPr lang="en-US" dirty="0"/>
+              <a:t>Priority: </a:t>
+            </a:r>
+            <a:r>
+              <a:rPr lang="en-US" dirty="0" smtClean="0"/>
+              <a:t>5</a:t>
+            </a:r>
+            <a:endParaRPr lang="en-US" dirty="0"/>
+          </a:p>
+          <a:p>
+            <a:pPr marL="0" indent="0">
+              <a:buNone/>
+            </a:pPr>
+            <a:endParaRPr lang="en-US" dirty="0"/>
           </a:p>
           <a:p>
             <a:pPr marL="0" indent="0">
@@ -4855,7 +4876,7 @@
     </p:spTree>
     <p:extLst>
       <p:ext uri="{BB962C8B-B14F-4D97-AF65-F5344CB8AC3E}">
-        <p14:creationId xmlns:p14="http://schemas.microsoft.com/office/powerpoint/2010/main" val="984729293"/>
+        <p14:creationId xmlns:p14="http://schemas.microsoft.com/office/powerpoint/2010/main" val="858522789"/>
       </p:ext>
     </p:extLst>
   </p:cSld>

--- a/UserStoriesV2.pptx
+++ b/UserStoriesV2.pptx
@@ -254,7 +254,7 @@
           <a:p>
             <a:fld id="{5DDB60B5-0831-44F0-B0BC-66D2EFC82116}" type="datetimeFigureOut">
               <a:rPr lang="en-US" smtClean="0"/>
-              <a:t>2/22/2016</a:t>
+              <a:t>2/29/2016</a:t>
             </a:fld>
             <a:endParaRPr lang="en-US"/>
           </a:p>
@@ -424,7 +424,7 @@
           <a:p>
             <a:fld id="{5DDB60B5-0831-44F0-B0BC-66D2EFC82116}" type="datetimeFigureOut">
               <a:rPr lang="en-US" smtClean="0"/>
-              <a:t>2/22/2016</a:t>
+              <a:t>2/29/2016</a:t>
             </a:fld>
             <a:endParaRPr lang="en-US"/>
           </a:p>
@@ -604,7 +604,7 @@
           <a:p>
             <a:fld id="{5DDB60B5-0831-44F0-B0BC-66D2EFC82116}" type="datetimeFigureOut">
               <a:rPr lang="en-US" smtClean="0"/>
-              <a:t>2/22/2016</a:t>
+              <a:t>2/29/2016</a:t>
             </a:fld>
             <a:endParaRPr lang="en-US"/>
           </a:p>
@@ -774,7 +774,7 @@
           <a:p>
             <a:fld id="{5DDB60B5-0831-44F0-B0BC-66D2EFC82116}" type="datetimeFigureOut">
               <a:rPr lang="en-US" smtClean="0"/>
-              <a:t>2/22/2016</a:t>
+              <a:t>2/29/2016</a:t>
             </a:fld>
             <a:endParaRPr lang="en-US"/>
           </a:p>
@@ -1020,7 +1020,7 @@
           <a:p>
             <a:fld id="{5DDB60B5-0831-44F0-B0BC-66D2EFC82116}" type="datetimeFigureOut">
               <a:rPr lang="en-US" smtClean="0"/>
-              <a:t>2/22/2016</a:t>
+              <a:t>2/29/2016</a:t>
             </a:fld>
             <a:endParaRPr lang="en-US"/>
           </a:p>
@@ -1252,7 +1252,7 @@
           <a:p>
             <a:fld id="{5DDB60B5-0831-44F0-B0BC-66D2EFC82116}" type="datetimeFigureOut">
               <a:rPr lang="en-US" smtClean="0"/>
-              <a:t>2/22/2016</a:t>
+              <a:t>2/29/2016</a:t>
             </a:fld>
             <a:endParaRPr lang="en-US"/>
           </a:p>
@@ -1619,7 +1619,7 @@
           <a:p>
             <a:fld id="{5DDB60B5-0831-44F0-B0BC-66D2EFC82116}" type="datetimeFigureOut">
               <a:rPr lang="en-US" smtClean="0"/>
-              <a:t>2/22/2016</a:t>
+              <a:t>2/29/2016</a:t>
             </a:fld>
             <a:endParaRPr lang="en-US"/>
           </a:p>
@@ -1737,7 +1737,7 @@
           <a:p>
             <a:fld id="{5DDB60B5-0831-44F0-B0BC-66D2EFC82116}" type="datetimeFigureOut">
               <a:rPr lang="en-US" smtClean="0"/>
-              <a:t>2/22/2016</a:t>
+              <a:t>2/29/2016</a:t>
             </a:fld>
             <a:endParaRPr lang="en-US"/>
           </a:p>
@@ -1832,7 +1832,7 @@
           <a:p>
             <a:fld id="{5DDB60B5-0831-44F0-B0BC-66D2EFC82116}" type="datetimeFigureOut">
               <a:rPr lang="en-US" smtClean="0"/>
-              <a:t>2/22/2016</a:t>
+              <a:t>2/29/2016</a:t>
             </a:fld>
             <a:endParaRPr lang="en-US"/>
           </a:p>
@@ -2109,7 +2109,7 @@
           <a:p>
             <a:fld id="{5DDB60B5-0831-44F0-B0BC-66D2EFC82116}" type="datetimeFigureOut">
               <a:rPr lang="en-US" smtClean="0"/>
-              <a:t>2/22/2016</a:t>
+              <a:t>2/29/2016</a:t>
             </a:fld>
             <a:endParaRPr lang="en-US"/>
           </a:p>
@@ -2362,7 +2362,7 @@
           <a:p>
             <a:fld id="{5DDB60B5-0831-44F0-B0BC-66D2EFC82116}" type="datetimeFigureOut">
               <a:rPr lang="en-US" smtClean="0"/>
-              <a:t>2/22/2016</a:t>
+              <a:t>2/29/2016</a:t>
             </a:fld>
             <a:endParaRPr lang="en-US"/>
           </a:p>
@@ -2575,7 +2575,7 @@
           <a:p>
             <a:fld id="{5DDB60B5-0831-44F0-B0BC-66D2EFC82116}" type="datetimeFigureOut">
               <a:rPr lang="en-US" smtClean="0"/>
-              <a:t>2/22/2016</a:t>
+              <a:t>2/29/2016</a:t>
             </a:fld>
             <a:endParaRPr lang="en-US"/>
           </a:p>
@@ -3069,7 +3069,11 @@
           <a:p>
             <a:r>
               <a:rPr lang="en-US" dirty="0"/>
-              <a:t>2/8/16 – 2/22/16</a:t>
+              <a:t>2/8/16 – </a:t>
+            </a:r>
+            <a:r>
+              <a:rPr lang="en-US" dirty="0" smtClean="0"/>
+              <a:t>2/29/16</a:t>
             </a:r>
             <a:endParaRPr lang="en-US" dirty="0"/>
           </a:p>
@@ -3088,7 +3092,7 @@
         <p:spPr/>
         <p:txBody>
           <a:bodyPr>
-            <a:normAutofit lnSpcReduction="10000"/>
+            <a:normAutofit fontScale="92500" lnSpcReduction="10000"/>
           </a:bodyPr>
           <a:lstStyle/>
           <a:p>
@@ -3147,6 +3151,10 @@
             <a:pPr marL="0" indent="0">
               <a:buNone/>
             </a:pPr>
+            <a:r>
+              <a:rPr lang="en-US" dirty="0" smtClean="0"/>
+              <a:t>Note***: We decided that since the sliding menu has profile info, we are going to make this a stretch goal.</a:t>
+            </a:r>
             <a:endParaRPr lang="en-US" dirty="0"/>
           </a:p>
           <a:p>
@@ -3165,8 +3173,13 @@
             </a:r>
             <a:r>
               <a:rPr lang="en-US" dirty="0" smtClean="0"/>
-              <a:t>1 weeks/iterations</a:t>
-            </a:r>
+              <a:t>1 </a:t>
+            </a:r>
+            <a:r>
+              <a:rPr lang="en-US" dirty="0" smtClean="0"/>
+              <a:t>day ~ Stretch goal</a:t>
+            </a:r>
+            <a:endParaRPr lang="en-US" dirty="0" smtClean="0"/>
           </a:p>
           <a:p>
             <a:pPr marL="0" indent="0">
@@ -3174,13 +3187,8 @@
             </a:pPr>
             <a:r>
               <a:rPr lang="en-US" dirty="0"/>
-              <a:t>Priority: </a:t>
-            </a:r>
-            <a:r>
-              <a:rPr lang="en-US" dirty="0"/>
-              <a:t>6</a:t>
-            </a:r>
-            <a:endParaRPr lang="en-US" dirty="0"/>
+              <a:t>Priority: 6</a:t>
+            </a:r>
           </a:p>
           <a:p>
             <a:pPr marL="0" indent="0">
@@ -3237,7 +3245,11 @@
           <a:p>
             <a:r>
               <a:rPr lang="en-US" dirty="0"/>
-              <a:t>2/8/16 – 2/22/16</a:t>
+              <a:t>2/8/16 – </a:t>
+            </a:r>
+            <a:r>
+              <a:rPr lang="en-US" dirty="0" smtClean="0"/>
+              <a:t>2/29/16</a:t>
             </a:r>
             <a:endParaRPr lang="en-US" dirty="0"/>
           </a:p>
@@ -3328,6 +3340,10 @@
             <a:pPr marL="0" indent="0">
               <a:buNone/>
             </a:pPr>
+            <a:r>
+              <a:rPr lang="en-US" dirty="0" smtClean="0"/>
+              <a:t>Note***: We are keeping this as a stretch goal</a:t>
+            </a:r>
             <a:endParaRPr lang="en-US" dirty="0" smtClean="0"/>
           </a:p>
           <a:p>
@@ -3346,13 +3362,8 @@
             </a:r>
             <a:r>
               <a:rPr lang="en-US" dirty="0" smtClean="0"/>
-              <a:t>1 </a:t>
-            </a:r>
-            <a:r>
-              <a:rPr lang="en-US" dirty="0" smtClean="0"/>
-              <a:t>week/iteration ~ Stretch Goal</a:t>
-            </a:r>
-            <a:endParaRPr lang="en-US" dirty="0" smtClean="0"/>
+              <a:t>1 week/iteration ~ Stretch Goal</a:t>
+            </a:r>
           </a:p>
           <a:p>
             <a:pPr marL="0" indent="0">
@@ -3360,13 +3371,8 @@
             </a:pPr>
             <a:r>
               <a:rPr lang="en-US" dirty="0"/>
-              <a:t>Priority: </a:t>
-            </a:r>
-            <a:r>
-              <a:rPr lang="en-US" dirty="0"/>
-              <a:t>7</a:t>
-            </a:r>
-            <a:endParaRPr lang="en-US" dirty="0"/>
+              <a:t>Priority: 7</a:t>
+            </a:r>
           </a:p>
           <a:p>
             <a:pPr marL="0" indent="0">
@@ -3429,7 +3435,11 @@
           <a:p>
             <a:r>
               <a:rPr lang="en-US" dirty="0"/>
-              <a:t>2/16/16 – 2/22/16</a:t>
+              <a:t>2/16/16 – </a:t>
+            </a:r>
+            <a:r>
+              <a:rPr lang="en-US" dirty="0" smtClean="0"/>
+              <a:t>2/29/16</a:t>
             </a:r>
             <a:endParaRPr lang="en-US" dirty="0"/>
           </a:p>
@@ -3517,13 +3527,16 @@
             </a:pPr>
             <a:r>
               <a:rPr lang="en-US" dirty="0"/>
-              <a:t>Est. Time: 2 </a:t>
+              <a:t>Est. Time: </a:t>
+            </a:r>
+            <a:r>
+              <a:rPr lang="en-US" dirty="0" smtClean="0"/>
+              <a:t>1 </a:t>
             </a:r>
             <a:r>
               <a:rPr lang="en-US" dirty="0" smtClean="0"/>
               <a:t>weeks/iterations ~ Stretch Goal</a:t>
             </a:r>
-            <a:endParaRPr lang="en-US" dirty="0" smtClean="0"/>
           </a:p>
           <a:p>
             <a:pPr marL="0" indent="0">
@@ -3531,13 +3544,8 @@
             </a:pPr>
             <a:r>
               <a:rPr lang="en-US" dirty="0"/>
-              <a:t>Priority: </a:t>
-            </a:r>
-            <a:r>
-              <a:rPr lang="en-US" dirty="0"/>
-              <a:t>8</a:t>
-            </a:r>
-            <a:endParaRPr lang="en-US" dirty="0"/>
+              <a:t>Priority: 8</a:t>
+            </a:r>
           </a:p>
           <a:p>
             <a:pPr marL="0" indent="0">
@@ -3603,7 +3611,11 @@
           <a:p>
             <a:r>
               <a:rPr lang="en-US" dirty="0"/>
-              <a:t>2/8/16 – 2/22/16</a:t>
+              <a:t>2/8/16 – </a:t>
+            </a:r>
+            <a:r>
+              <a:rPr lang="en-US" dirty="0" smtClean="0"/>
+              <a:t>2/29/16</a:t>
             </a:r>
             <a:endParaRPr lang="en-US" dirty="0"/>
           </a:p>
@@ -3705,11 +3717,7 @@
             </a:pPr>
             <a:r>
               <a:rPr lang="en-US" dirty="0" smtClean="0"/>
-              <a:t>Priority: </a:t>
-            </a:r>
-            <a:r>
-              <a:rPr lang="en-US" dirty="0" smtClean="0"/>
-              <a:t>DONE</a:t>
+              <a:t>Priority: DONE</a:t>
             </a:r>
             <a:endParaRPr lang="en-US" dirty="0"/>
           </a:p>
@@ -3762,7 +3770,11 @@
           <a:p>
             <a:r>
               <a:rPr lang="en-US" dirty="0"/>
-              <a:t>2/8/16 – 2/22/16</a:t>
+              <a:t>2/8/16 – </a:t>
+            </a:r>
+            <a:r>
+              <a:rPr lang="en-US" dirty="0" smtClean="0"/>
+              <a:t>2/29/16</a:t>
             </a:r>
             <a:endParaRPr lang="en-US" dirty="0"/>
           </a:p>
@@ -3841,13 +3853,8 @@
             </a:pPr>
             <a:r>
               <a:rPr lang="en-US" dirty="0" smtClean="0"/>
-              <a:t>Est. Time: </a:t>
-            </a:r>
-            <a:r>
-              <a:rPr lang="en-US" dirty="0" smtClean="0"/>
-              <a:t>DONE</a:t>
-            </a:r>
-            <a:endParaRPr lang="en-US" dirty="0" smtClean="0"/>
+              <a:t>Est. Time: DONE</a:t>
+            </a:r>
           </a:p>
           <a:p>
             <a:pPr marL="0" indent="0">
@@ -3861,7 +3868,6 @@
               <a:rPr lang="en-US" dirty="0" smtClean="0"/>
               <a:t>DONE</a:t>
             </a:r>
-            <a:endParaRPr lang="en-US" dirty="0" smtClean="0"/>
           </a:p>
           <a:p>
             <a:pPr marL="0" indent="0">
@@ -3918,7 +3924,11 @@
           <a:p>
             <a:r>
               <a:rPr lang="en-US" dirty="0" smtClean="0"/>
-              <a:t>2/8/16 – 2/22/16</a:t>
+              <a:t>2/8/16 – </a:t>
+            </a:r>
+            <a:r>
+              <a:rPr lang="en-US" dirty="0" smtClean="0"/>
+              <a:t>2/29/16</a:t>
             </a:r>
             <a:endParaRPr lang="en-US" dirty="0"/>
           </a:p>
@@ -4008,7 +4018,6 @@
               <a:rPr lang="en-US" dirty="0" smtClean="0"/>
               <a:t>DONE</a:t>
             </a:r>
-            <a:endParaRPr lang="en-US" dirty="0" smtClean="0"/>
           </a:p>
           <a:p>
             <a:pPr marL="0" indent="0">
@@ -4088,7 +4097,11 @@
           <a:p>
             <a:r>
               <a:rPr lang="en-US" dirty="0"/>
-              <a:t>2/8/16 – 2/22/16</a:t>
+              <a:t>2/8/16 – </a:t>
+            </a:r>
+            <a:r>
+              <a:rPr lang="en-US" dirty="0" smtClean="0"/>
+              <a:t>2/29/16</a:t>
             </a:r>
             <a:endParaRPr lang="en-US" dirty="0"/>
           </a:p>
@@ -4171,11 +4184,7 @@
             </a:r>
             <a:r>
               <a:rPr lang="en-US" dirty="0" smtClean="0"/>
-              <a:t>1 </a:t>
-            </a:r>
-            <a:r>
-              <a:rPr lang="en-US" dirty="0" smtClean="0"/>
-              <a:t>weeks/iterations</a:t>
+              <a:t>DONE</a:t>
             </a:r>
             <a:endParaRPr lang="en-US" dirty="0"/>
           </a:p>
@@ -4189,7 +4198,7 @@
             </a:r>
             <a:r>
               <a:rPr lang="en-US" dirty="0" smtClean="0"/>
-              <a:t>1</a:t>
+              <a:t>DONE</a:t>
             </a:r>
             <a:endParaRPr lang="en-US" dirty="0"/>
           </a:p>
@@ -4248,7 +4257,11 @@
           <a:p>
             <a:r>
               <a:rPr lang="en-US" dirty="0"/>
-              <a:t>2/8/16 – 2/22/16</a:t>
+              <a:t>2/8/16 – </a:t>
+            </a:r>
+            <a:r>
+              <a:rPr lang="en-US" dirty="0" smtClean="0"/>
+              <a:t>2/29/16</a:t>
             </a:r>
             <a:endParaRPr lang="en-US" dirty="0"/>
           </a:p>
@@ -4336,13 +4349,8 @@
             </a:pPr>
             <a:r>
               <a:rPr lang="en-US" dirty="0"/>
-              <a:t>Priority: </a:t>
-            </a:r>
-            <a:r>
-              <a:rPr lang="en-US" dirty="0"/>
-              <a:t>2</a:t>
-            </a:r>
-            <a:endParaRPr lang="en-US" dirty="0"/>
+              <a:t>Priority: 2</a:t>
+            </a:r>
           </a:p>
           <a:p>
             <a:pPr marL="0" indent="0">
@@ -4405,7 +4413,11 @@
           <a:p>
             <a:r>
               <a:rPr lang="en-US" dirty="0"/>
-              <a:t>2/8/16 – 2/22/16</a:t>
+              <a:t>2/8/16 – </a:t>
+            </a:r>
+            <a:r>
+              <a:rPr lang="en-US" dirty="0" smtClean="0"/>
+              <a:t>2/29/16</a:t>
             </a:r>
             <a:endParaRPr lang="en-US" dirty="0"/>
           </a:p>
@@ -4500,17 +4512,10 @@
               <a:t>Est. Time: </a:t>
             </a:r>
             <a:r>
-              <a:rPr lang="en-US" dirty="0"/>
-              <a:t>2</a:t>
-            </a:r>
-            <a:r>
-              <a:rPr lang="en-US" dirty="0" smtClean="0"/>
-              <a:t> </a:t>
-            </a:r>
-            <a:r>
-              <a:rPr lang="en-US" dirty="0" smtClean="0"/>
-              <a:t>weeks/iterations</a:t>
-            </a:r>
+              <a:rPr lang="en-US" dirty="0" smtClean="0"/>
+              <a:t>DONE</a:t>
+            </a:r>
+            <a:endParaRPr lang="en-US" dirty="0" smtClean="0"/>
           </a:p>
           <a:p>
             <a:pPr marL="0" indent="0">
@@ -4522,7 +4527,7 @@
             </a:r>
             <a:r>
               <a:rPr lang="en-US" dirty="0" smtClean="0"/>
-              <a:t>3</a:t>
+              <a:t>DONE</a:t>
             </a:r>
             <a:endParaRPr lang="en-US" dirty="0"/>
           </a:p>
@@ -4581,7 +4586,11 @@
           <a:p>
             <a:r>
               <a:rPr lang="en-US" dirty="0"/>
-              <a:t>2/8/16 – 2/22/16</a:t>
+              <a:t>2/8/16 – </a:t>
+            </a:r>
+            <a:r>
+              <a:rPr lang="en-US" dirty="0" smtClean="0"/>
+              <a:t>2/29/16</a:t>
             </a:r>
             <a:endParaRPr lang="en-US" dirty="0"/>
           </a:p>
@@ -4618,27 +4627,28 @@
             </a:pPr>
             <a:r>
               <a:rPr lang="en-US" dirty="0" smtClean="0"/>
-              <a:t>I want … to be able to </a:t>
-            </a:r>
-            <a:r>
-              <a:rPr lang="en-US" dirty="0" smtClean="0"/>
-              <a:t>see the phone number for the owner of that post</a:t>
-            </a:r>
+              <a:t>I want … to be able to see the phone number for the owner of that post</a:t>
+            </a:r>
+          </a:p>
+          <a:p>
+            <a:pPr marL="0" indent="0">
+              <a:buNone/>
+            </a:pPr>
+            <a:r>
+              <a:rPr lang="en-US" dirty="0" smtClean="0"/>
+              <a:t>So that … I can coordinate the transaction.</a:t>
+            </a:r>
+          </a:p>
+          <a:p>
+            <a:pPr marL="0" indent="0">
+              <a:buNone/>
+            </a:pPr>
             <a:endParaRPr lang="en-US" dirty="0" smtClean="0"/>
           </a:p>
           <a:p>
             <a:pPr marL="0" indent="0">
               <a:buNone/>
             </a:pPr>
-            <a:r>
-              <a:rPr lang="en-US" dirty="0" smtClean="0"/>
-              <a:t>So that … I can coordinate the transaction.</a:t>
-            </a:r>
-          </a:p>
-          <a:p>
-            <a:pPr marL="0" indent="0">
-              <a:buNone/>
-            </a:pPr>
             <a:endParaRPr lang="en-US" dirty="0" smtClean="0"/>
           </a:p>
           <a:p>
@@ -4657,21 +4667,10 @@
             <a:pPr marL="0" indent="0">
               <a:buNone/>
             </a:pPr>
-            <a:endParaRPr lang="en-US" dirty="0" smtClean="0"/>
-          </a:p>
-          <a:p>
-            <a:pPr marL="0" indent="0">
-              <a:buNone/>
-            </a:pPr>
-            <a:r>
-              <a:rPr lang="en-US" dirty="0" smtClean="0"/>
-              <a:t>Est. Time: </a:t>
-            </a:r>
-            <a:r>
-              <a:rPr lang="en-US" dirty="0" smtClean="0"/>
-              <a:t>1 day</a:t>
-            </a:r>
-            <a:endParaRPr lang="en-US" dirty="0" smtClean="0"/>
+            <a:r>
+              <a:rPr lang="en-US" dirty="0" smtClean="0"/>
+              <a:t>Est. Time: 1 day</a:t>
+            </a:r>
           </a:p>
           <a:p>
             <a:pPr marL="0" indent="0">
@@ -4748,7 +4747,11 @@
           <a:p>
             <a:r>
               <a:rPr lang="en-US" dirty="0"/>
-              <a:t>2/8/16 – 2/22/16</a:t>
+              <a:t>2/8/16 – </a:t>
+            </a:r>
+            <a:r>
+              <a:rPr lang="en-US" dirty="0" smtClean="0"/>
+              <a:t>2/29/16</a:t>
             </a:r>
             <a:endParaRPr lang="en-US" dirty="0"/>
           </a:p>
@@ -4829,6 +4832,10 @@
             <a:pPr marL="0" indent="0">
               <a:buNone/>
             </a:pPr>
+            <a:r>
+              <a:rPr lang="en-US" dirty="0" smtClean="0"/>
+              <a:t>(Almost done)</a:t>
+            </a:r>
             <a:endParaRPr lang="en-US" dirty="0"/>
           </a:p>
           <a:p>
@@ -4841,17 +4848,25 @@
             </a:r>
             <a:r>
               <a:rPr lang="en-US" dirty="0" smtClean="0"/>
-              <a:t>1 weeks/iterations ~ stretch goal</a:t>
-            </a:r>
-            <a:endParaRPr lang="en-US" dirty="0" smtClean="0"/>
-          </a:p>
-          <a:p>
-            <a:pPr marL="0" indent="0">
-              <a:buNone/>
-            </a:pPr>
+              <a:t>1 </a:t>
+            </a:r>
+            <a:r>
+              <a:rPr lang="en-US" dirty="0" smtClean="0"/>
+              <a:t>week</a:t>
+            </a:r>
+            <a:endParaRPr lang="en-US" dirty="0"/>
+          </a:p>
+          <a:p>
+            <a:pPr marL="0" indent="0">
+              <a:buNone/>
+            </a:pPr>
+            <a:r>
+              <a:rPr lang="en-US" dirty="0" smtClean="0"/>
+              <a:t>Priority</a:t>
+            </a:r>
             <a:r>
               <a:rPr lang="en-US" dirty="0"/>
-              <a:t>Priority: </a:t>
+              <a:t>: </a:t>
             </a:r>
             <a:r>
               <a:rPr lang="en-US" dirty="0" smtClean="0"/>

--- a/UserStoriesV2.pptx
+++ b/UserStoriesV2.pptx
@@ -254,7 +254,7 @@
           <a:p>
             <a:fld id="{5DDB60B5-0831-44F0-B0BC-66D2EFC82116}" type="datetimeFigureOut">
               <a:rPr lang="en-US" smtClean="0"/>
-              <a:t>2/29/2016</a:t>
+              <a:t>3/8/2016</a:t>
             </a:fld>
             <a:endParaRPr lang="en-US"/>
           </a:p>
@@ -424,7 +424,7 @@
           <a:p>
             <a:fld id="{5DDB60B5-0831-44F0-B0BC-66D2EFC82116}" type="datetimeFigureOut">
               <a:rPr lang="en-US" smtClean="0"/>
-              <a:t>2/29/2016</a:t>
+              <a:t>3/8/2016</a:t>
             </a:fld>
             <a:endParaRPr lang="en-US"/>
           </a:p>
@@ -604,7 +604,7 @@
           <a:p>
             <a:fld id="{5DDB60B5-0831-44F0-B0BC-66D2EFC82116}" type="datetimeFigureOut">
               <a:rPr lang="en-US" smtClean="0"/>
-              <a:t>2/29/2016</a:t>
+              <a:t>3/8/2016</a:t>
             </a:fld>
             <a:endParaRPr lang="en-US"/>
           </a:p>
@@ -774,7 +774,7 @@
           <a:p>
             <a:fld id="{5DDB60B5-0831-44F0-B0BC-66D2EFC82116}" type="datetimeFigureOut">
               <a:rPr lang="en-US" smtClean="0"/>
-              <a:t>2/29/2016</a:t>
+              <a:t>3/8/2016</a:t>
             </a:fld>
             <a:endParaRPr lang="en-US"/>
           </a:p>
@@ -1020,7 +1020,7 @@
           <a:p>
             <a:fld id="{5DDB60B5-0831-44F0-B0BC-66D2EFC82116}" type="datetimeFigureOut">
               <a:rPr lang="en-US" smtClean="0"/>
-              <a:t>2/29/2016</a:t>
+              <a:t>3/8/2016</a:t>
             </a:fld>
             <a:endParaRPr lang="en-US"/>
           </a:p>
@@ -1252,7 +1252,7 @@
           <a:p>
             <a:fld id="{5DDB60B5-0831-44F0-B0BC-66D2EFC82116}" type="datetimeFigureOut">
               <a:rPr lang="en-US" smtClean="0"/>
-              <a:t>2/29/2016</a:t>
+              <a:t>3/8/2016</a:t>
             </a:fld>
             <a:endParaRPr lang="en-US"/>
           </a:p>
@@ -1619,7 +1619,7 @@
           <a:p>
             <a:fld id="{5DDB60B5-0831-44F0-B0BC-66D2EFC82116}" type="datetimeFigureOut">
               <a:rPr lang="en-US" smtClean="0"/>
-              <a:t>2/29/2016</a:t>
+              <a:t>3/8/2016</a:t>
             </a:fld>
             <a:endParaRPr lang="en-US"/>
           </a:p>
@@ -1737,7 +1737,7 @@
           <a:p>
             <a:fld id="{5DDB60B5-0831-44F0-B0BC-66D2EFC82116}" type="datetimeFigureOut">
               <a:rPr lang="en-US" smtClean="0"/>
-              <a:t>2/29/2016</a:t>
+              <a:t>3/8/2016</a:t>
             </a:fld>
             <a:endParaRPr lang="en-US"/>
           </a:p>
@@ -1832,7 +1832,7 @@
           <a:p>
             <a:fld id="{5DDB60B5-0831-44F0-B0BC-66D2EFC82116}" type="datetimeFigureOut">
               <a:rPr lang="en-US" smtClean="0"/>
-              <a:t>2/29/2016</a:t>
+              <a:t>3/8/2016</a:t>
             </a:fld>
             <a:endParaRPr lang="en-US"/>
           </a:p>
@@ -2109,7 +2109,7 @@
           <a:p>
             <a:fld id="{5DDB60B5-0831-44F0-B0BC-66D2EFC82116}" type="datetimeFigureOut">
               <a:rPr lang="en-US" smtClean="0"/>
-              <a:t>2/29/2016</a:t>
+              <a:t>3/8/2016</a:t>
             </a:fld>
             <a:endParaRPr lang="en-US"/>
           </a:p>
@@ -2362,7 +2362,7 @@
           <a:p>
             <a:fld id="{5DDB60B5-0831-44F0-B0BC-66D2EFC82116}" type="datetimeFigureOut">
               <a:rPr lang="en-US" smtClean="0"/>
-              <a:t>2/29/2016</a:t>
+              <a:t>3/8/2016</a:t>
             </a:fld>
             <a:endParaRPr lang="en-US"/>
           </a:p>
@@ -2575,7 +2575,7 @@
           <a:p>
             <a:fld id="{5DDB60B5-0831-44F0-B0BC-66D2EFC82116}" type="datetimeFigureOut">
               <a:rPr lang="en-US" smtClean="0"/>
-              <a:t>2/29/2016</a:t>
+              <a:t>3/8/2016</a:t>
             </a:fld>
             <a:endParaRPr lang="en-US"/>
           </a:p>
@@ -3073,7 +3073,11 @@
             </a:r>
             <a:r>
               <a:rPr lang="en-US" dirty="0" smtClean="0"/>
-              <a:t>2/29/16</a:t>
+              <a:t>3</a:t>
+            </a:r>
+            <a:r>
+              <a:rPr lang="en-US" dirty="0" smtClean="0"/>
+              <a:t>/8/16</a:t>
             </a:r>
             <a:endParaRPr lang="en-US" dirty="0"/>
           </a:p>
@@ -3173,11 +3177,7 @@
             </a:r>
             <a:r>
               <a:rPr lang="en-US" dirty="0" smtClean="0"/>
-              <a:t>1 </a:t>
-            </a:r>
-            <a:r>
-              <a:rPr lang="en-US" dirty="0" smtClean="0"/>
-              <a:t>day ~ Stretch goal</a:t>
+              <a:t>DONE</a:t>
             </a:r>
             <a:endParaRPr lang="en-US" dirty="0" smtClean="0"/>
           </a:p>
@@ -3187,8 +3187,13 @@
             </a:pPr>
             <a:r>
               <a:rPr lang="en-US" dirty="0"/>
-              <a:t>Priority: 6</a:t>
-            </a:r>
+              <a:t>Priority: </a:t>
+            </a:r>
+            <a:r>
+              <a:rPr lang="en-US" dirty="0" smtClean="0"/>
+              <a:t>DONE</a:t>
+            </a:r>
+            <a:endParaRPr lang="en-US" dirty="0"/>
           </a:p>
           <a:p>
             <a:pPr marL="0" indent="0">
@@ -3249,7 +3254,11 @@
             </a:r>
             <a:r>
               <a:rPr lang="en-US" dirty="0" smtClean="0"/>
-              <a:t>2/29/16</a:t>
+              <a:t>3</a:t>
+            </a:r>
+            <a:r>
+              <a:rPr lang="en-US" dirty="0" smtClean="0"/>
+              <a:t>/8/16</a:t>
             </a:r>
             <a:endParaRPr lang="en-US" dirty="0"/>
           </a:p>
@@ -3344,7 +3353,6 @@
               <a:rPr lang="en-US" dirty="0" smtClean="0"/>
               <a:t>Note***: We are keeping this as a stretch goal</a:t>
             </a:r>
-            <a:endParaRPr lang="en-US" dirty="0" smtClean="0"/>
           </a:p>
           <a:p>
             <a:pPr marL="0" indent="0">
@@ -3362,8 +3370,9 @@
             </a:r>
             <a:r>
               <a:rPr lang="en-US" dirty="0" smtClean="0"/>
-              <a:t>1 week/iteration ~ Stretch Goal</a:t>
-            </a:r>
+              <a:t>DONE</a:t>
+            </a:r>
+            <a:endParaRPr lang="en-US" dirty="0" smtClean="0"/>
           </a:p>
           <a:p>
             <a:pPr marL="0" indent="0">
@@ -3371,8 +3380,13 @@
             </a:pPr>
             <a:r>
               <a:rPr lang="en-US" dirty="0"/>
-              <a:t>Priority: 7</a:t>
-            </a:r>
+              <a:t>Priority: </a:t>
+            </a:r>
+            <a:r>
+              <a:rPr lang="en-US" dirty="0" smtClean="0"/>
+              <a:t>DONE</a:t>
+            </a:r>
+            <a:endParaRPr lang="en-US" dirty="0"/>
           </a:p>
           <a:p>
             <a:pPr marL="0" indent="0">
@@ -3439,7 +3453,11 @@
             </a:r>
             <a:r>
               <a:rPr lang="en-US" dirty="0" smtClean="0"/>
-              <a:t>2/29/16</a:t>
+              <a:t>3</a:t>
+            </a:r>
+            <a:r>
+              <a:rPr lang="en-US" dirty="0" smtClean="0"/>
+              <a:t>/8/16</a:t>
             </a:r>
             <a:endParaRPr lang="en-US" dirty="0"/>
           </a:p>
@@ -3513,6 +3531,10 @@
             <a:pPr marL="0" indent="0">
               <a:buNone/>
             </a:pPr>
+            <a:r>
+              <a:rPr lang="en-US" dirty="0" smtClean="0"/>
+              <a:t>Not Finished – Stretch Goal</a:t>
+            </a:r>
             <a:endParaRPr lang="en-US" dirty="0"/>
           </a:p>
           <a:p>
@@ -3531,11 +3553,7 @@
             </a:r>
             <a:r>
               <a:rPr lang="en-US" dirty="0" smtClean="0"/>
-              <a:t>1 </a:t>
-            </a:r>
-            <a:r>
-              <a:rPr lang="en-US" dirty="0" smtClean="0"/>
-              <a:t>weeks/iterations ~ Stretch Goal</a:t>
+              <a:t>1 weeks/iterations ~ Stretch Goal</a:t>
             </a:r>
           </a:p>
           <a:p>
@@ -3615,7 +3633,11 @@
             </a:r>
             <a:r>
               <a:rPr lang="en-US" dirty="0" smtClean="0"/>
-              <a:t>2/29/16</a:t>
+              <a:t>3</a:t>
+            </a:r>
+            <a:r>
+              <a:rPr lang="en-US" dirty="0" smtClean="0"/>
+              <a:t>/8/16</a:t>
             </a:r>
             <a:endParaRPr lang="en-US" dirty="0"/>
           </a:p>
@@ -3774,7 +3796,11 @@
             </a:r>
             <a:r>
               <a:rPr lang="en-US" dirty="0" smtClean="0"/>
-              <a:t>2/29/16</a:t>
+              <a:t>3</a:t>
+            </a:r>
+            <a:r>
+              <a:rPr lang="en-US" dirty="0" smtClean="0"/>
+              <a:t>/8/16</a:t>
             </a:r>
             <a:endParaRPr lang="en-US" dirty="0"/>
           </a:p>
@@ -3928,7 +3954,7 @@
             </a:r>
             <a:r>
               <a:rPr lang="en-US" dirty="0" smtClean="0"/>
-              <a:t>2/29/16</a:t>
+              <a:t>3/8/16</a:t>
             </a:r>
             <a:endParaRPr lang="en-US" dirty="0"/>
           </a:p>
@@ -4101,7 +4127,11 @@
             </a:r>
             <a:r>
               <a:rPr lang="en-US" dirty="0" smtClean="0"/>
-              <a:t>2/29/16</a:t>
+              <a:t>3</a:t>
+            </a:r>
+            <a:r>
+              <a:rPr lang="en-US" dirty="0" smtClean="0"/>
+              <a:t>/8/16</a:t>
             </a:r>
             <a:endParaRPr lang="en-US" dirty="0"/>
           </a:p>
@@ -4180,11 +4210,7 @@
             </a:pPr>
             <a:r>
               <a:rPr lang="en-US" dirty="0" smtClean="0"/>
-              <a:t>Est. Time: </a:t>
-            </a:r>
-            <a:r>
-              <a:rPr lang="en-US" dirty="0" smtClean="0"/>
-              <a:t>DONE</a:t>
+              <a:t>Est. Time: DONE</a:t>
             </a:r>
             <a:endParaRPr lang="en-US" dirty="0"/>
           </a:p>
@@ -4261,7 +4287,11 @@
             </a:r>
             <a:r>
               <a:rPr lang="en-US" dirty="0" smtClean="0"/>
-              <a:t>2/29/16</a:t>
+              <a:t>3</a:t>
+            </a:r>
+            <a:r>
+              <a:rPr lang="en-US" dirty="0" smtClean="0"/>
+              <a:t>/8/16</a:t>
             </a:r>
             <a:endParaRPr lang="en-US" dirty="0"/>
           </a:p>
@@ -4340,8 +4370,13 @@
             </a:pPr>
             <a:r>
               <a:rPr lang="en-US" dirty="0" smtClean="0"/>
-              <a:t>Est. Time: 1 week/iteration</a:t>
-            </a:r>
+              <a:t>Est. Time: </a:t>
+            </a:r>
+            <a:r>
+              <a:rPr lang="en-US" dirty="0" smtClean="0"/>
+              <a:t>DONE</a:t>
+            </a:r>
+            <a:endParaRPr lang="en-US" dirty="0" smtClean="0"/>
           </a:p>
           <a:p>
             <a:pPr marL="0" indent="0">
@@ -4349,8 +4384,13 @@
             </a:pPr>
             <a:r>
               <a:rPr lang="en-US" dirty="0"/>
-              <a:t>Priority: 2</a:t>
-            </a:r>
+              <a:t>Priority: </a:t>
+            </a:r>
+            <a:r>
+              <a:rPr lang="en-US" dirty="0" smtClean="0"/>
+              <a:t>DONE</a:t>
+            </a:r>
+            <a:endParaRPr lang="en-US" dirty="0"/>
           </a:p>
           <a:p>
             <a:pPr marL="0" indent="0">
@@ -4417,7 +4457,11 @@
             </a:r>
             <a:r>
               <a:rPr lang="en-US" dirty="0" smtClean="0"/>
-              <a:t>2/29/16</a:t>
+              <a:t>3</a:t>
+            </a:r>
+            <a:r>
+              <a:rPr lang="en-US" dirty="0" smtClean="0"/>
+              <a:t>/8/16</a:t>
             </a:r>
             <a:endParaRPr lang="en-US" dirty="0"/>
           </a:p>
@@ -4515,7 +4559,6 @@
               <a:rPr lang="en-US" dirty="0" smtClean="0"/>
               <a:t>DONE</a:t>
             </a:r>
-            <a:endParaRPr lang="en-US" dirty="0" smtClean="0"/>
           </a:p>
           <a:p>
             <a:pPr marL="0" indent="0">
@@ -4590,7 +4633,11 @@
             </a:r>
             <a:r>
               <a:rPr lang="en-US" dirty="0" smtClean="0"/>
-              <a:t>2/29/16</a:t>
+              <a:t>3</a:t>
+            </a:r>
+            <a:r>
+              <a:rPr lang="en-US" dirty="0" smtClean="0"/>
+              <a:t>/8/16</a:t>
             </a:r>
             <a:endParaRPr lang="en-US" dirty="0"/>
           </a:p>
@@ -4669,8 +4716,13 @@
             </a:pPr>
             <a:r>
               <a:rPr lang="en-US" dirty="0" smtClean="0"/>
-              <a:t>Est. Time: 1 day</a:t>
-            </a:r>
+              <a:t>Est. Time: </a:t>
+            </a:r>
+            <a:r>
+              <a:rPr lang="en-US" dirty="0" smtClean="0"/>
+              <a:t>DONE</a:t>
+            </a:r>
+            <a:endParaRPr lang="en-US" dirty="0" smtClean="0"/>
           </a:p>
           <a:p>
             <a:pPr marL="0" indent="0">
@@ -4682,7 +4734,7 @@
             </a:r>
             <a:r>
               <a:rPr lang="en-US" dirty="0" smtClean="0"/>
-              <a:t>4</a:t>
+              <a:t>DONE</a:t>
             </a:r>
             <a:endParaRPr lang="en-US" dirty="0"/>
           </a:p>
@@ -4751,7 +4803,11 @@
             </a:r>
             <a:r>
               <a:rPr lang="en-US" dirty="0" smtClean="0"/>
-              <a:t>2/29/16</a:t>
+              <a:t>3</a:t>
+            </a:r>
+            <a:r>
+              <a:rPr lang="en-US" dirty="0" smtClean="0"/>
+              <a:t>/8/16</a:t>
             </a:r>
             <a:endParaRPr lang="en-US" dirty="0"/>
           </a:p>
@@ -4770,7 +4826,7 @@
         <p:spPr/>
         <p:txBody>
           <a:bodyPr>
-            <a:normAutofit lnSpcReduction="10000"/>
+            <a:normAutofit/>
           </a:bodyPr>
           <a:lstStyle/>
           <a:p>
@@ -4834,25 +4890,15 @@
             </a:pPr>
             <a:r>
               <a:rPr lang="en-US" dirty="0" smtClean="0"/>
-              <a:t>(Almost done)</a:t>
-            </a:r>
-            <a:endParaRPr lang="en-US" dirty="0"/>
-          </a:p>
-          <a:p>
-            <a:pPr marL="0" indent="0">
-              <a:buNone/>
-            </a:pPr>
+              <a:t>Est</a:t>
+            </a:r>
             <a:r>
               <a:rPr lang="en-US" dirty="0"/>
-              <a:t>Est. Time: </a:t>
-            </a:r>
-            <a:r>
-              <a:rPr lang="en-US" dirty="0" smtClean="0"/>
-              <a:t>1 </a:t>
-            </a:r>
-            <a:r>
-              <a:rPr lang="en-US" dirty="0" smtClean="0"/>
-              <a:t>week</a:t>
+              <a:t>. Time: </a:t>
+            </a:r>
+            <a:r>
+              <a:rPr lang="en-US" dirty="0" smtClean="0"/>
+              <a:t>DONE</a:t>
             </a:r>
             <a:endParaRPr lang="en-US" dirty="0"/>
           </a:p>
@@ -4870,7 +4916,7 @@
             </a:r>
             <a:r>
               <a:rPr lang="en-US" dirty="0" smtClean="0"/>
-              <a:t>5</a:t>
+              <a:t>DONE</a:t>
             </a:r>
             <a:endParaRPr lang="en-US" dirty="0"/>
           </a:p>
